--- a/temp files.pptx
+++ b/temp files.pptx
@@ -28,6 +28,7 @@
     <p:sldId id="277" r:id="rId22"/>
     <p:sldId id="278" r:id="rId23"/>
     <p:sldId id="274" r:id="rId24"/>
+    <p:sldId id="279" r:id="rId25"/>
   </p:sldIdLst>
   <p:sldSz cx="12192000" cy="6858000"/>
   <p:notesSz cx="6858000" cy="9144000"/>
@@ -283,7 +284,7 @@
           <a:p>
             <a:fld id="{AD880408-622A-4071-A052-F5E03FFF4B10}" type="datetimeFigureOut">
               <a:rPr lang="en-US" smtClean="0"/>
-              <a:t>5/30/2018</a:t>
+              <a:t>6/13/2018</a:t>
             </a:fld>
             <a:endParaRPr lang="en-US"/>
           </a:p>
@@ -483,7 +484,7 @@
           <a:p>
             <a:fld id="{AD880408-622A-4071-A052-F5E03FFF4B10}" type="datetimeFigureOut">
               <a:rPr lang="en-US" smtClean="0"/>
-              <a:t>5/30/2018</a:t>
+              <a:t>6/13/2018</a:t>
             </a:fld>
             <a:endParaRPr lang="en-US"/>
           </a:p>
@@ -693,7 +694,7 @@
           <a:p>
             <a:fld id="{AD880408-622A-4071-A052-F5E03FFF4B10}" type="datetimeFigureOut">
               <a:rPr lang="en-US" smtClean="0"/>
-              <a:t>5/30/2018</a:t>
+              <a:t>6/13/2018</a:t>
             </a:fld>
             <a:endParaRPr lang="en-US"/>
           </a:p>
@@ -893,7 +894,7 @@
           <a:p>
             <a:fld id="{AD880408-622A-4071-A052-F5E03FFF4B10}" type="datetimeFigureOut">
               <a:rPr lang="en-US" smtClean="0"/>
-              <a:t>5/30/2018</a:t>
+              <a:t>6/13/2018</a:t>
             </a:fld>
             <a:endParaRPr lang="en-US"/>
           </a:p>
@@ -1169,7 +1170,7 @@
           <a:p>
             <a:fld id="{AD880408-622A-4071-A052-F5E03FFF4B10}" type="datetimeFigureOut">
               <a:rPr lang="en-US" smtClean="0"/>
-              <a:t>5/30/2018</a:t>
+              <a:t>6/13/2018</a:t>
             </a:fld>
             <a:endParaRPr lang="en-US"/>
           </a:p>
@@ -1437,7 +1438,7 @@
           <a:p>
             <a:fld id="{AD880408-622A-4071-A052-F5E03FFF4B10}" type="datetimeFigureOut">
               <a:rPr lang="en-US" smtClean="0"/>
-              <a:t>5/30/2018</a:t>
+              <a:t>6/13/2018</a:t>
             </a:fld>
             <a:endParaRPr lang="en-US"/>
           </a:p>
@@ -1852,7 +1853,7 @@
           <a:p>
             <a:fld id="{AD880408-622A-4071-A052-F5E03FFF4B10}" type="datetimeFigureOut">
               <a:rPr lang="en-US" smtClean="0"/>
-              <a:t>5/30/2018</a:t>
+              <a:t>6/13/2018</a:t>
             </a:fld>
             <a:endParaRPr lang="en-US"/>
           </a:p>
@@ -1994,7 +1995,7 @@
           <a:p>
             <a:fld id="{AD880408-622A-4071-A052-F5E03FFF4B10}" type="datetimeFigureOut">
               <a:rPr lang="en-US" smtClean="0"/>
-              <a:t>5/30/2018</a:t>
+              <a:t>6/13/2018</a:t>
             </a:fld>
             <a:endParaRPr lang="en-US"/>
           </a:p>
@@ -2107,7 +2108,7 @@
           <a:p>
             <a:fld id="{AD880408-622A-4071-A052-F5E03FFF4B10}" type="datetimeFigureOut">
               <a:rPr lang="en-US" smtClean="0"/>
-              <a:t>5/30/2018</a:t>
+              <a:t>6/13/2018</a:t>
             </a:fld>
             <a:endParaRPr lang="en-US"/>
           </a:p>
@@ -2420,7 +2421,7 @@
           <a:p>
             <a:fld id="{AD880408-622A-4071-A052-F5E03FFF4B10}" type="datetimeFigureOut">
               <a:rPr lang="en-US" smtClean="0"/>
-              <a:t>5/30/2018</a:t>
+              <a:t>6/13/2018</a:t>
             </a:fld>
             <a:endParaRPr lang="en-US"/>
           </a:p>
@@ -2709,7 +2710,7 @@
           <a:p>
             <a:fld id="{AD880408-622A-4071-A052-F5E03FFF4B10}" type="datetimeFigureOut">
               <a:rPr lang="en-US" smtClean="0"/>
-              <a:t>5/30/2018</a:t>
+              <a:t>6/13/2018</a:t>
             </a:fld>
             <a:endParaRPr lang="en-US"/>
           </a:p>
@@ -2952,7 +2953,7 @@
           <a:p>
             <a:fld id="{AD880408-622A-4071-A052-F5E03FFF4B10}" type="datetimeFigureOut">
               <a:rPr lang="en-US" smtClean="0"/>
-              <a:t>5/30/2018</a:t>
+              <a:t>6/13/2018</a:t>
             </a:fld>
             <a:endParaRPr lang="en-US"/>
           </a:p>
@@ -10419,6 +10420,718 @@
 </p:sld>
 </file>
 
+<file path=ppt/slides/slide24.xml><?xml version="1.0" encoding="utf-8"?>
+<p:sld xmlns:a="http://schemas.openxmlformats.org/drawingml/2006/main" xmlns:r="http://schemas.openxmlformats.org/officeDocument/2006/relationships" xmlns:p="http://schemas.openxmlformats.org/presentationml/2006/main">
+  <p:cSld>
+    <p:spTree>
+      <p:nvGrpSpPr>
+        <p:cNvPr id="1" name=""/>
+        <p:cNvGrpSpPr/>
+        <p:nvPr/>
+      </p:nvGrpSpPr>
+      <p:grpSpPr>
+        <a:xfrm>
+          <a:off x="0" y="0"/>
+          <a:ext cx="0" cy="0"/>
+          <a:chOff x="0" y="0"/>
+          <a:chExt cx="0" cy="0"/>
+        </a:xfrm>
+      </p:grpSpPr>
+      <p:sp>
+        <p:nvSpPr>
+          <p:cNvPr id="2" name="标题 1">
+            <a:extLst>
+              <a:ext uri="{FF2B5EF4-FFF2-40B4-BE49-F238E27FC236}">
+                <a16:creationId xmlns:a16="http://schemas.microsoft.com/office/drawing/2014/main" id="{FC44FC06-F377-4B74-AC86-02BFB9D77703}"/>
+              </a:ext>
+            </a:extLst>
+          </p:cNvPr>
+          <p:cNvSpPr>
+            <a:spLocks noGrp="1"/>
+          </p:cNvSpPr>
+          <p:nvPr>
+            <p:ph type="title"/>
+          </p:nvPr>
+        </p:nvSpPr>
+        <p:spPr/>
+        <p:txBody>
+          <a:bodyPr/>
+          <a:lstStyle/>
+          <a:p>
+            <a:endParaRPr lang="en-US"/>
+          </a:p>
+        </p:txBody>
+      </p:sp>
+      <p:graphicFrame>
+        <p:nvGraphicFramePr>
+          <p:cNvPr id="4" name="表格 3">
+            <a:extLst>
+              <a:ext uri="{FF2B5EF4-FFF2-40B4-BE49-F238E27FC236}">
+                <a16:creationId xmlns:a16="http://schemas.microsoft.com/office/drawing/2014/main" id="{E79F1BD4-F451-4A3B-B358-FECEC6894159}"/>
+              </a:ext>
+            </a:extLst>
+          </p:cNvPr>
+          <p:cNvGraphicFramePr>
+            <a:graphicFrameLocks noGrp="1"/>
+          </p:cNvGraphicFramePr>
+          <p:nvPr>
+            <p:extLst>
+              <p:ext uri="{D42A27DB-BD31-4B8C-83A1-F6EECF244321}">
+                <p14:modId xmlns:p14="http://schemas.microsoft.com/office/powerpoint/2010/main" val="3261114278"/>
+              </p:ext>
+            </p:extLst>
+          </p:nvPr>
+        </p:nvGraphicFramePr>
+        <p:xfrm>
+          <a:off x="2208810" y="2386940"/>
+          <a:ext cx="7681288" cy="3230472"/>
+        </p:xfrm>
+        <a:graphic>
+          <a:graphicData uri="http://schemas.openxmlformats.org/drawingml/2006/table">
+            <a:tbl>
+              <a:tblPr firstRow="1" firstCol="1" bandRow="1">
+                <a:tableStyleId>{5940675A-B579-460E-94D1-54222C63F5DA}</a:tableStyleId>
+              </a:tblPr>
+              <a:tblGrid>
+                <a:gridCol w="2158877">
+                  <a:extLst>
+                    <a:ext uri="{9D8B030D-6E8A-4147-A177-3AD203B41FA5}">
+                      <a16:colId xmlns:a16="http://schemas.microsoft.com/office/drawing/2014/main" val="3323941799"/>
+                    </a:ext>
+                  </a:extLst>
+                </a:gridCol>
+                <a:gridCol w="1258784">
+                  <a:extLst>
+                    <a:ext uri="{9D8B030D-6E8A-4147-A177-3AD203B41FA5}">
+                      <a16:colId xmlns:a16="http://schemas.microsoft.com/office/drawing/2014/main" val="3256677036"/>
+                    </a:ext>
+                  </a:extLst>
+                </a:gridCol>
+                <a:gridCol w="1057495">
+                  <a:extLst>
+                    <a:ext uri="{9D8B030D-6E8A-4147-A177-3AD203B41FA5}">
+                      <a16:colId xmlns:a16="http://schemas.microsoft.com/office/drawing/2014/main" val="3686963883"/>
+                    </a:ext>
+                  </a:extLst>
+                </a:gridCol>
+                <a:gridCol w="3206132">
+                  <a:extLst>
+                    <a:ext uri="{9D8B030D-6E8A-4147-A177-3AD203B41FA5}">
+                      <a16:colId xmlns:a16="http://schemas.microsoft.com/office/drawing/2014/main" val="1907149213"/>
+                    </a:ext>
+                  </a:extLst>
+                </a:gridCol>
+              </a:tblGrid>
+              <a:tr h="543410">
+                <a:tc>
+                  <a:txBody>
+                    <a:bodyPr/>
+                    <a:lstStyle/>
+                    <a:p>
+                      <a:pPr marL="0" marR="0" algn="ctr">
+                        <a:lnSpc>
+                          <a:spcPct val="107000"/>
+                        </a:lnSpc>
+                        <a:spcBef>
+                          <a:spcPts val="0"/>
+                        </a:spcBef>
+                        <a:spcAft>
+                          <a:spcPts val="0"/>
+                        </a:spcAft>
+                      </a:pPr>
+                      <a:r>
+                        <a:rPr lang="en-US" sz="1600" kern="100" dirty="0">
+                          <a:effectLst/>
+                          <a:latin typeface="Times New Roman" panose="02020603050405020304" pitchFamily="18" charset="0"/>
+                          <a:cs typeface="Times New Roman" panose="02020603050405020304" pitchFamily="18" charset="0"/>
+                        </a:rPr>
+                        <a:t>Application</a:t>
+                      </a:r>
+                      <a:endParaRPr lang="en-US" sz="1600" kern="100" dirty="0">
+                        <a:effectLst/>
+                        <a:latin typeface="Times New Roman" panose="02020603050405020304" pitchFamily="18" charset="0"/>
+                        <a:ea typeface="SimSun" panose="02010600030101010101" pitchFamily="2" charset="-122"/>
+                        <a:cs typeface="Times New Roman" panose="02020603050405020304" pitchFamily="18" charset="0"/>
+                      </a:endParaRPr>
+                    </a:p>
+                  </a:txBody>
+                  <a:tcPr marL="108682" marR="108682" marT="0" marB="0" anchor="ctr"/>
+                </a:tc>
+                <a:tc>
+                  <a:txBody>
+                    <a:bodyPr/>
+                    <a:lstStyle/>
+                    <a:p>
+                      <a:pPr marL="0" marR="0" algn="ctr">
+                        <a:lnSpc>
+                          <a:spcPct val="107000"/>
+                        </a:lnSpc>
+                        <a:spcBef>
+                          <a:spcPts val="0"/>
+                        </a:spcBef>
+                        <a:spcAft>
+                          <a:spcPts val="0"/>
+                        </a:spcAft>
+                      </a:pPr>
+                      <a:r>
+                        <a:rPr lang="en-US" sz="1600" kern="100">
+                          <a:effectLst/>
+                          <a:latin typeface="Times New Roman" panose="02020603050405020304" pitchFamily="18" charset="0"/>
+                          <a:cs typeface="Times New Roman" panose="02020603050405020304" pitchFamily="18" charset="0"/>
+                        </a:rPr>
+                        <a:t>Target Object</a:t>
+                      </a:r>
+                      <a:endParaRPr lang="en-US" sz="1600" kern="100">
+                        <a:effectLst/>
+                        <a:latin typeface="Times New Roman" panose="02020603050405020304" pitchFamily="18" charset="0"/>
+                        <a:ea typeface="SimSun" panose="02010600030101010101" pitchFamily="2" charset="-122"/>
+                        <a:cs typeface="Times New Roman" panose="02020603050405020304" pitchFamily="18" charset="0"/>
+                      </a:endParaRPr>
+                    </a:p>
+                  </a:txBody>
+                  <a:tcPr marL="108682" marR="108682" marT="0" marB="0" anchor="ctr"/>
+                </a:tc>
+                <a:tc>
+                  <a:txBody>
+                    <a:bodyPr/>
+                    <a:lstStyle/>
+                    <a:p>
+                      <a:pPr marL="0" marR="0" algn="ctr">
+                        <a:lnSpc>
+                          <a:spcPct val="107000"/>
+                        </a:lnSpc>
+                        <a:spcBef>
+                          <a:spcPts val="0"/>
+                        </a:spcBef>
+                        <a:spcAft>
+                          <a:spcPts val="0"/>
+                        </a:spcAft>
+                      </a:pPr>
+                      <a:r>
+                        <a:rPr lang="en-US" sz="1600" kern="100">
+                          <a:effectLst/>
+                          <a:latin typeface="Times New Roman" panose="02020603050405020304" pitchFamily="18" charset="0"/>
+                          <a:cs typeface="Times New Roman" panose="02020603050405020304" pitchFamily="18" charset="0"/>
+                        </a:rPr>
+                        <a:t>Education Degree</a:t>
+                      </a:r>
+                      <a:endParaRPr lang="en-US" sz="1600" kern="100">
+                        <a:effectLst/>
+                        <a:latin typeface="Times New Roman" panose="02020603050405020304" pitchFamily="18" charset="0"/>
+                        <a:ea typeface="SimSun" panose="02010600030101010101" pitchFamily="2" charset="-122"/>
+                        <a:cs typeface="Times New Roman" panose="02020603050405020304" pitchFamily="18" charset="0"/>
+                      </a:endParaRPr>
+                    </a:p>
+                  </a:txBody>
+                  <a:tcPr marL="108682" marR="108682" marT="0" marB="0"/>
+                </a:tc>
+                <a:tc>
+                  <a:txBody>
+                    <a:bodyPr/>
+                    <a:lstStyle/>
+                    <a:p>
+                      <a:pPr marL="0" marR="0" algn="ctr">
+                        <a:lnSpc>
+                          <a:spcPct val="107000"/>
+                        </a:lnSpc>
+                        <a:spcBef>
+                          <a:spcPts val="0"/>
+                        </a:spcBef>
+                        <a:spcAft>
+                          <a:spcPts val="0"/>
+                        </a:spcAft>
+                      </a:pPr>
+                      <a:r>
+                        <a:rPr lang="en-US" sz="1600" kern="100">
+                          <a:effectLst/>
+                          <a:latin typeface="Times New Roman" panose="02020603050405020304" pitchFamily="18" charset="0"/>
+                          <a:cs typeface="Times New Roman" panose="02020603050405020304" pitchFamily="18" charset="0"/>
+                        </a:rPr>
+                        <a:t>Educational Goals (Effects)</a:t>
+                      </a:r>
+                      <a:endParaRPr lang="en-US" sz="1600" kern="100">
+                        <a:effectLst/>
+                        <a:latin typeface="Times New Roman" panose="02020603050405020304" pitchFamily="18" charset="0"/>
+                        <a:ea typeface="SimSun" panose="02010600030101010101" pitchFamily="2" charset="-122"/>
+                        <a:cs typeface="Times New Roman" panose="02020603050405020304" pitchFamily="18" charset="0"/>
+                      </a:endParaRPr>
+                    </a:p>
+                  </a:txBody>
+                  <a:tcPr marL="108682" marR="108682" marT="0" marB="0" anchor="ctr"/>
+                </a:tc>
+                <a:extLst>
+                  <a:ext uri="{0D108BD9-81ED-4DB2-BD59-A6C34878D82A}">
+                    <a16:rowId xmlns:a16="http://schemas.microsoft.com/office/drawing/2014/main" val="173463597"/>
+                  </a:ext>
+                </a:extLst>
+              </a:tr>
+              <a:tr h="543410">
+                <a:tc>
+                  <a:txBody>
+                    <a:bodyPr/>
+                    <a:lstStyle/>
+                    <a:p>
+                      <a:pPr marL="0" marR="0" algn="ctr">
+                        <a:lnSpc>
+                          <a:spcPct val="107000"/>
+                        </a:lnSpc>
+                        <a:spcBef>
+                          <a:spcPts val="0"/>
+                        </a:spcBef>
+                        <a:spcAft>
+                          <a:spcPts val="0"/>
+                        </a:spcAft>
+                      </a:pPr>
+                      <a:r>
+                        <a:rPr lang="en-US" sz="1600" kern="100">
+                          <a:effectLst/>
+                          <a:latin typeface="Times New Roman" panose="02020603050405020304" pitchFamily="18" charset="0"/>
+                          <a:cs typeface="Times New Roman" panose="02020603050405020304" pitchFamily="18" charset="0"/>
+                        </a:rPr>
+                        <a:t>VR Art Exhibition</a:t>
+                      </a:r>
+                      <a:endParaRPr lang="en-US" sz="1600" kern="100">
+                        <a:effectLst/>
+                        <a:latin typeface="Times New Roman" panose="02020603050405020304" pitchFamily="18" charset="0"/>
+                        <a:ea typeface="SimSun" panose="02010600030101010101" pitchFamily="2" charset="-122"/>
+                        <a:cs typeface="Times New Roman" panose="02020603050405020304" pitchFamily="18" charset="0"/>
+                      </a:endParaRPr>
+                    </a:p>
+                  </a:txBody>
+                  <a:tcPr marL="108682" marR="108682" marT="0" marB="0" anchor="ctr"/>
+                </a:tc>
+                <a:tc>
+                  <a:txBody>
+                    <a:bodyPr/>
+                    <a:lstStyle/>
+                    <a:p>
+                      <a:pPr marL="0" marR="0" algn="ctr">
+                        <a:lnSpc>
+                          <a:spcPct val="107000"/>
+                        </a:lnSpc>
+                        <a:spcBef>
+                          <a:spcPts val="0"/>
+                        </a:spcBef>
+                        <a:spcAft>
+                          <a:spcPts val="0"/>
+                        </a:spcAft>
+                      </a:pPr>
+                      <a:r>
+                        <a:rPr lang="en-US" sz="1600" kern="100" dirty="0">
+                          <a:effectLst/>
+                          <a:latin typeface="Times New Roman" panose="02020603050405020304" pitchFamily="18" charset="0"/>
+                          <a:cs typeface="Times New Roman" panose="02020603050405020304" pitchFamily="18" charset="0"/>
+                        </a:rPr>
+                        <a:t>20 years old </a:t>
+                      </a:r>
+                      <a:endParaRPr lang="en-US" sz="1600" kern="100" dirty="0">
+                        <a:effectLst/>
+                        <a:latin typeface="Times New Roman" panose="02020603050405020304" pitchFamily="18" charset="0"/>
+                        <a:ea typeface="SimSun" panose="02010600030101010101" pitchFamily="2" charset="-122"/>
+                        <a:cs typeface="Times New Roman" panose="02020603050405020304" pitchFamily="18" charset="0"/>
+                      </a:endParaRPr>
+                    </a:p>
+                  </a:txBody>
+                  <a:tcPr marL="108682" marR="108682" marT="0" marB="0" anchor="ctr"/>
+                </a:tc>
+                <a:tc>
+                  <a:txBody>
+                    <a:bodyPr/>
+                    <a:lstStyle/>
+                    <a:p>
+                      <a:pPr marL="0" marR="0" algn="ctr">
+                        <a:lnSpc>
+                          <a:spcPct val="107000"/>
+                        </a:lnSpc>
+                        <a:spcBef>
+                          <a:spcPts val="0"/>
+                        </a:spcBef>
+                        <a:spcAft>
+                          <a:spcPts val="0"/>
+                        </a:spcAft>
+                      </a:pPr>
+                      <a:r>
+                        <a:rPr lang="en-US" sz="1600" kern="100" dirty="0">
+                          <a:effectLst/>
+                          <a:latin typeface="Times New Roman" panose="02020603050405020304" pitchFamily="18" charset="0"/>
+                          <a:cs typeface="Times New Roman" panose="02020603050405020304" pitchFamily="18" charset="0"/>
+                        </a:rPr>
+                        <a:t>College</a:t>
+                      </a:r>
+                      <a:endParaRPr lang="en-US" sz="1600" kern="100" dirty="0">
+                        <a:effectLst/>
+                        <a:latin typeface="Times New Roman" panose="02020603050405020304" pitchFamily="18" charset="0"/>
+                        <a:ea typeface="SimSun" panose="02010600030101010101" pitchFamily="2" charset="-122"/>
+                        <a:cs typeface="Times New Roman" panose="02020603050405020304" pitchFamily="18" charset="0"/>
+                      </a:endParaRPr>
+                    </a:p>
+                  </a:txBody>
+                  <a:tcPr marL="108682" marR="108682" marT="0" marB="0" anchor="ctr"/>
+                </a:tc>
+                <a:tc>
+                  <a:txBody>
+                    <a:bodyPr/>
+                    <a:lstStyle/>
+                    <a:p>
+                      <a:pPr marL="0" marR="0" algn="just">
+                        <a:lnSpc>
+                          <a:spcPct val="107000"/>
+                        </a:lnSpc>
+                        <a:spcBef>
+                          <a:spcPts val="0"/>
+                        </a:spcBef>
+                        <a:spcAft>
+                          <a:spcPts val="0"/>
+                        </a:spcAft>
+                      </a:pPr>
+                      <a:r>
+                        <a:rPr lang="en-US" sz="1600" kern="100">
+                          <a:effectLst/>
+                          <a:latin typeface="Times New Roman" panose="02020603050405020304" pitchFamily="18" charset="0"/>
+                          <a:cs typeface="Times New Roman" panose="02020603050405020304" pitchFamily="18" charset="0"/>
+                        </a:rPr>
+                        <a:t>To appreciate art works anytime and anywhere</a:t>
+                      </a:r>
+                      <a:endParaRPr lang="en-US" sz="1600" kern="100">
+                        <a:effectLst/>
+                        <a:latin typeface="Times New Roman" panose="02020603050405020304" pitchFamily="18" charset="0"/>
+                        <a:ea typeface="SimSun" panose="02010600030101010101" pitchFamily="2" charset="-122"/>
+                        <a:cs typeface="Times New Roman" panose="02020603050405020304" pitchFamily="18" charset="0"/>
+                      </a:endParaRPr>
+                    </a:p>
+                  </a:txBody>
+                  <a:tcPr marL="108682" marR="108682" marT="0" marB="0" anchor="ctr"/>
+                </a:tc>
+                <a:extLst>
+                  <a:ext uri="{0D108BD9-81ED-4DB2-BD59-A6C34878D82A}">
+                    <a16:rowId xmlns:a16="http://schemas.microsoft.com/office/drawing/2014/main" val="1466167131"/>
+                  </a:ext>
+                </a:extLst>
+              </a:tr>
+              <a:tr h="1071826">
+                <a:tc>
+                  <a:txBody>
+                    <a:bodyPr/>
+                    <a:lstStyle/>
+                    <a:p>
+                      <a:pPr marL="0" marR="0" algn="ctr">
+                        <a:lnSpc>
+                          <a:spcPct val="107000"/>
+                        </a:lnSpc>
+                        <a:spcBef>
+                          <a:spcPts val="0"/>
+                        </a:spcBef>
+                        <a:spcAft>
+                          <a:spcPts val="0"/>
+                        </a:spcAft>
+                      </a:pPr>
+                      <a:r>
+                        <a:rPr lang="en-US" sz="1600" kern="100" dirty="0">
+                          <a:effectLst/>
+                          <a:latin typeface="Times New Roman" panose="02020603050405020304" pitchFamily="18" charset="0"/>
+                          <a:cs typeface="Times New Roman" panose="02020603050405020304" pitchFamily="18" charset="0"/>
+                        </a:rPr>
+                        <a:t>AR 3D Coloring Game</a:t>
+                      </a:r>
+                      <a:endParaRPr lang="en-US" sz="1600" kern="100" dirty="0">
+                        <a:effectLst/>
+                        <a:latin typeface="Times New Roman" panose="02020603050405020304" pitchFamily="18" charset="0"/>
+                        <a:ea typeface="SimSun" panose="02010600030101010101" pitchFamily="2" charset="-122"/>
+                        <a:cs typeface="Times New Roman" panose="02020603050405020304" pitchFamily="18" charset="0"/>
+                      </a:endParaRPr>
+                    </a:p>
+                  </a:txBody>
+                  <a:tcPr marL="108682" marR="108682" marT="0" marB="0" anchor="ctr"/>
+                </a:tc>
+                <a:tc>
+                  <a:txBody>
+                    <a:bodyPr/>
+                    <a:lstStyle/>
+                    <a:p>
+                      <a:pPr marL="0" marR="0" algn="ctr">
+                        <a:lnSpc>
+                          <a:spcPct val="107000"/>
+                        </a:lnSpc>
+                        <a:spcBef>
+                          <a:spcPts val="0"/>
+                        </a:spcBef>
+                        <a:spcAft>
+                          <a:spcPts val="0"/>
+                        </a:spcAft>
+                      </a:pPr>
+                      <a:r>
+                        <a:rPr lang="en-US" sz="1600" kern="100">
+                          <a:effectLst/>
+                          <a:latin typeface="Times New Roman" panose="02020603050405020304" pitchFamily="18" charset="0"/>
+                          <a:cs typeface="Times New Roman" panose="02020603050405020304" pitchFamily="18" charset="0"/>
+                        </a:rPr>
+                        <a:t>6 years old</a:t>
+                      </a:r>
+                      <a:endParaRPr lang="en-US" sz="1600" kern="100">
+                        <a:effectLst/>
+                        <a:latin typeface="Times New Roman" panose="02020603050405020304" pitchFamily="18" charset="0"/>
+                        <a:ea typeface="SimSun" panose="02010600030101010101" pitchFamily="2" charset="-122"/>
+                        <a:cs typeface="Times New Roman" panose="02020603050405020304" pitchFamily="18" charset="0"/>
+                      </a:endParaRPr>
+                    </a:p>
+                  </a:txBody>
+                  <a:tcPr marL="108682" marR="108682" marT="0" marB="0" anchor="ctr"/>
+                </a:tc>
+                <a:tc>
+                  <a:txBody>
+                    <a:bodyPr/>
+                    <a:lstStyle/>
+                    <a:p>
+                      <a:pPr marL="0" marR="0" algn="ctr">
+                        <a:lnSpc>
+                          <a:spcPct val="107000"/>
+                        </a:lnSpc>
+                        <a:spcBef>
+                          <a:spcPts val="0"/>
+                        </a:spcBef>
+                        <a:spcAft>
+                          <a:spcPts val="0"/>
+                        </a:spcAft>
+                      </a:pPr>
+                      <a:r>
+                        <a:rPr lang="en-US" sz="1600" kern="100" dirty="0">
+                          <a:effectLst/>
+                          <a:latin typeface="Times New Roman" panose="02020603050405020304" pitchFamily="18" charset="0"/>
+                          <a:cs typeface="Times New Roman" panose="02020603050405020304" pitchFamily="18" charset="0"/>
+                        </a:rPr>
+                        <a:t>Pre-school</a:t>
+                      </a:r>
+                      <a:endParaRPr lang="en-US" sz="1600" kern="100" dirty="0">
+                        <a:effectLst/>
+                        <a:latin typeface="Times New Roman" panose="02020603050405020304" pitchFamily="18" charset="0"/>
+                        <a:ea typeface="SimSun" panose="02010600030101010101" pitchFamily="2" charset="-122"/>
+                        <a:cs typeface="Times New Roman" panose="02020603050405020304" pitchFamily="18" charset="0"/>
+                      </a:endParaRPr>
+                    </a:p>
+                  </a:txBody>
+                  <a:tcPr marL="108682" marR="108682" marT="0" marB="0" anchor="ctr"/>
+                </a:tc>
+                <a:tc>
+                  <a:txBody>
+                    <a:bodyPr/>
+                    <a:lstStyle/>
+                    <a:p>
+                      <a:pPr marL="0" marR="0" algn="l">
+                        <a:lnSpc>
+                          <a:spcPct val="107000"/>
+                        </a:lnSpc>
+                        <a:spcBef>
+                          <a:spcPts val="0"/>
+                        </a:spcBef>
+                        <a:spcAft>
+                          <a:spcPts val="0"/>
+                        </a:spcAft>
+                      </a:pPr>
+                      <a:r>
+                        <a:rPr lang="en-US" sz="1600" kern="100" dirty="0">
+                          <a:effectLst/>
+                          <a:latin typeface="Times New Roman" panose="02020603050405020304" pitchFamily="18" charset="0"/>
+                          <a:cs typeface="Times New Roman" panose="02020603050405020304" pitchFamily="18" charset="0"/>
+                        </a:rPr>
+                        <a:t>To recognize the Earth and solar system. Cultivate children’s color identification and hands-on skills</a:t>
+                      </a:r>
+                    </a:p>
+                    <a:p>
+                      <a:pPr marL="0" marR="0" algn="l">
+                        <a:lnSpc>
+                          <a:spcPct val="107000"/>
+                        </a:lnSpc>
+                        <a:spcBef>
+                          <a:spcPts val="0"/>
+                        </a:spcBef>
+                        <a:spcAft>
+                          <a:spcPts val="0"/>
+                        </a:spcAft>
+                      </a:pPr>
+                      <a:r>
+                        <a:rPr lang="en-US" sz="1600" kern="100" dirty="0">
+                          <a:effectLst/>
+                          <a:latin typeface="Times New Roman" panose="02020603050405020304" pitchFamily="18" charset="0"/>
+                          <a:cs typeface="Times New Roman" panose="02020603050405020304" pitchFamily="18" charset="0"/>
+                        </a:rPr>
+                        <a:t> </a:t>
+                      </a:r>
+                      <a:endParaRPr lang="en-US" sz="1600" kern="100" dirty="0">
+                        <a:effectLst/>
+                        <a:latin typeface="Times New Roman" panose="02020603050405020304" pitchFamily="18" charset="0"/>
+                        <a:ea typeface="SimSun" panose="02010600030101010101" pitchFamily="2" charset="-122"/>
+                        <a:cs typeface="Times New Roman" panose="02020603050405020304" pitchFamily="18" charset="0"/>
+                      </a:endParaRPr>
+                    </a:p>
+                  </a:txBody>
+                  <a:tcPr marL="108682" marR="108682" marT="0" marB="0" anchor="ctr"/>
+                </a:tc>
+                <a:extLst>
+                  <a:ext uri="{0D108BD9-81ED-4DB2-BD59-A6C34878D82A}">
+                    <a16:rowId xmlns:a16="http://schemas.microsoft.com/office/drawing/2014/main" val="4193106024"/>
+                  </a:ext>
+                </a:extLst>
+              </a:tr>
+              <a:tr h="1071826">
+                <a:tc>
+                  <a:txBody>
+                    <a:bodyPr/>
+                    <a:lstStyle/>
+                    <a:p>
+                      <a:pPr marL="0" marR="0" algn="ctr">
+                        <a:lnSpc>
+                          <a:spcPct val="107000"/>
+                        </a:lnSpc>
+                        <a:spcBef>
+                          <a:spcPts val="0"/>
+                        </a:spcBef>
+                        <a:spcAft>
+                          <a:spcPts val="0"/>
+                        </a:spcAft>
+                      </a:pPr>
+                      <a:r>
+                        <a:rPr lang="en-US" sz="1600" kern="100" dirty="0">
+                          <a:effectLst/>
+                          <a:latin typeface="Times New Roman" panose="02020603050405020304" pitchFamily="18" charset="0"/>
+                          <a:cs typeface="Times New Roman" panose="02020603050405020304" pitchFamily="18" charset="0"/>
+                        </a:rPr>
+                        <a:t>MR Chemistry Lab</a:t>
+                      </a:r>
+                      <a:endParaRPr lang="en-US" sz="1600" kern="100" dirty="0">
+                        <a:effectLst/>
+                        <a:latin typeface="Times New Roman" panose="02020603050405020304" pitchFamily="18" charset="0"/>
+                        <a:ea typeface="SimSun" panose="02010600030101010101" pitchFamily="2" charset="-122"/>
+                        <a:cs typeface="Times New Roman" panose="02020603050405020304" pitchFamily="18" charset="0"/>
+                      </a:endParaRPr>
+                    </a:p>
+                  </a:txBody>
+                  <a:tcPr marL="108682" marR="108682" marT="0" marB="0" anchor="ctr"/>
+                </a:tc>
+                <a:tc>
+                  <a:txBody>
+                    <a:bodyPr/>
+                    <a:lstStyle/>
+                    <a:p>
+                      <a:pPr marL="0" marR="0" algn="ctr">
+                        <a:lnSpc>
+                          <a:spcPct val="107000"/>
+                        </a:lnSpc>
+                        <a:spcBef>
+                          <a:spcPts val="0"/>
+                        </a:spcBef>
+                        <a:spcAft>
+                          <a:spcPts val="0"/>
+                        </a:spcAft>
+                      </a:pPr>
+                      <a:r>
+                        <a:rPr lang="en-US" sz="1600" kern="100">
+                          <a:effectLst/>
+                          <a:latin typeface="Times New Roman" panose="02020603050405020304" pitchFamily="18" charset="0"/>
+                          <a:cs typeface="Times New Roman" panose="02020603050405020304" pitchFamily="18" charset="0"/>
+                        </a:rPr>
+                        <a:t>20 years old </a:t>
+                      </a:r>
+                      <a:endParaRPr lang="en-US" sz="1600" kern="100">
+                        <a:effectLst/>
+                        <a:latin typeface="Times New Roman" panose="02020603050405020304" pitchFamily="18" charset="0"/>
+                        <a:ea typeface="SimSun" panose="02010600030101010101" pitchFamily="2" charset="-122"/>
+                        <a:cs typeface="Times New Roman" panose="02020603050405020304" pitchFamily="18" charset="0"/>
+                      </a:endParaRPr>
+                    </a:p>
+                  </a:txBody>
+                  <a:tcPr marL="108682" marR="108682" marT="0" marB="0" anchor="ctr"/>
+                </a:tc>
+                <a:tc>
+                  <a:txBody>
+                    <a:bodyPr/>
+                    <a:lstStyle/>
+                    <a:p>
+                      <a:pPr marL="0" marR="0" algn="ctr">
+                        <a:lnSpc>
+                          <a:spcPct val="107000"/>
+                        </a:lnSpc>
+                        <a:spcBef>
+                          <a:spcPts val="0"/>
+                        </a:spcBef>
+                        <a:spcAft>
+                          <a:spcPts val="0"/>
+                        </a:spcAft>
+                      </a:pPr>
+                      <a:r>
+                        <a:rPr lang="en-US" sz="1600" kern="100">
+                          <a:effectLst/>
+                          <a:latin typeface="Times New Roman" panose="02020603050405020304" pitchFamily="18" charset="0"/>
+                          <a:cs typeface="Times New Roman" panose="02020603050405020304" pitchFamily="18" charset="0"/>
+                        </a:rPr>
+                        <a:t>College</a:t>
+                      </a:r>
+                      <a:endParaRPr lang="en-US" sz="1600" kern="100">
+                        <a:effectLst/>
+                        <a:latin typeface="Times New Roman" panose="02020603050405020304" pitchFamily="18" charset="0"/>
+                        <a:ea typeface="SimSun" panose="02010600030101010101" pitchFamily="2" charset="-122"/>
+                        <a:cs typeface="Times New Roman" panose="02020603050405020304" pitchFamily="18" charset="0"/>
+                      </a:endParaRPr>
+                    </a:p>
+                  </a:txBody>
+                  <a:tcPr marL="108682" marR="108682" marT="0" marB="0" anchor="ctr"/>
+                </a:tc>
+                <a:tc>
+                  <a:txBody>
+                    <a:bodyPr/>
+                    <a:lstStyle/>
+                    <a:p>
+                      <a:pPr marL="0" marR="0" algn="just">
+                        <a:lnSpc>
+                          <a:spcPct val="107000"/>
+                        </a:lnSpc>
+                        <a:spcBef>
+                          <a:spcPts val="0"/>
+                        </a:spcBef>
+                        <a:spcAft>
+                          <a:spcPts val="0"/>
+                        </a:spcAft>
+                      </a:pPr>
+                      <a:r>
+                        <a:rPr lang="en-US" sz="1600" kern="100" dirty="0">
+                          <a:effectLst/>
+                          <a:latin typeface="Times New Roman" panose="02020603050405020304" pitchFamily="18" charset="0"/>
+                          <a:cs typeface="Times New Roman" panose="02020603050405020304" pitchFamily="18" charset="0"/>
+                        </a:rPr>
+                        <a:t>To learn chemical experiments, familiar with experimental procedures and observe experimental phenomena</a:t>
+                      </a:r>
+                      <a:endParaRPr lang="en-US" sz="1600" kern="100" dirty="0">
+                        <a:effectLst/>
+                        <a:latin typeface="Times New Roman" panose="02020603050405020304" pitchFamily="18" charset="0"/>
+                        <a:ea typeface="SimSun" panose="02010600030101010101" pitchFamily="2" charset="-122"/>
+                        <a:cs typeface="Times New Roman" panose="02020603050405020304" pitchFamily="18" charset="0"/>
+                      </a:endParaRPr>
+                    </a:p>
+                  </a:txBody>
+                  <a:tcPr marL="108682" marR="108682" marT="0" marB="0" anchor="ctr"/>
+                </a:tc>
+                <a:extLst>
+                  <a:ext uri="{0D108BD9-81ED-4DB2-BD59-A6C34878D82A}">
+                    <a16:rowId xmlns:a16="http://schemas.microsoft.com/office/drawing/2014/main" val="2744094731"/>
+                  </a:ext>
+                </a:extLst>
+              </a:tr>
+            </a:tbl>
+          </a:graphicData>
+        </a:graphic>
+      </p:graphicFrame>
+    </p:spTree>
+    <p:extLst>
+      <p:ext uri="{BB962C8B-B14F-4D97-AF65-F5344CB8AC3E}">
+        <p14:creationId xmlns:p14="http://schemas.microsoft.com/office/powerpoint/2010/main" val="3327258869"/>
+      </p:ext>
+    </p:extLst>
+  </p:cSld>
+  <p:clrMapOvr>
+    <a:masterClrMapping/>
+  </p:clrMapOvr>
+</p:sld>
+</file>
+
 <file path=ppt/slides/slide3.xml><?xml version="1.0" encoding="utf-8"?>
 <p:sld xmlns:a="http://schemas.openxmlformats.org/drawingml/2006/main" xmlns:r="http://schemas.openxmlformats.org/officeDocument/2006/relationships" xmlns:p="http://schemas.openxmlformats.org/presentationml/2006/main">
   <p:cSld>
@@ -11076,7 +11789,7 @@
             <p:ph idx="1"/>
             <p:extLst>
               <p:ext uri="{D42A27DB-BD31-4B8C-83A1-F6EECF244321}">
-                <p14:modId xmlns:p14="http://schemas.microsoft.com/office/powerpoint/2010/main" val="1359006352"/>
+                <p14:modId xmlns:p14="http://schemas.microsoft.com/office/powerpoint/2010/main" val="3194992281"/>
               </p:ext>
             </p:extLst>
           </p:nvPr>
@@ -11362,7 +12075,7 @@
                     <a:bodyPr/>
                     <a:lstStyle/>
                     <a:p>
-                      <a:pPr marL="0" marR="0" algn="ctr">
+                      <a:pPr marL="0" marR="0" algn="ctr" latinLnBrk="1">
                         <a:lnSpc>
                           <a:spcPct val="107000"/>
                         </a:lnSpc>
@@ -11606,7 +12319,7 @@
                     <a:bodyPr/>
                     <a:lstStyle/>
                     <a:p>
-                      <a:pPr marL="0" marR="0" lvl="0" indent="0" algn="just" defTabSz="914400" rtl="0" eaLnBrk="1" fontAlgn="auto" latinLnBrk="0" hangingPunct="1">
+                      <a:pPr marL="0" marR="0" lvl="0" indent="0" algn="just" defTabSz="914400" rtl="0" eaLnBrk="1" fontAlgn="auto" latinLnBrk="1" hangingPunct="1">
                         <a:lnSpc>
                           <a:spcPct val="107000"/>
                         </a:lnSpc>
@@ -12521,7 +13234,7 @@
                     <a:bodyPr/>
                     <a:lstStyle/>
                     <a:p>
-                      <a:pPr marL="0" marR="0" lvl="0" indent="0" algn="just" defTabSz="914400" rtl="0" eaLnBrk="1" fontAlgn="auto" latinLnBrk="0" hangingPunct="1">
+                      <a:pPr marL="0" marR="0" lvl="0" indent="0" algn="just" defTabSz="914400" rtl="0" eaLnBrk="1" fontAlgn="auto" latinLnBrk="1" hangingPunct="1">
                         <a:lnSpc>
                           <a:spcPct val="107000"/>
                         </a:lnSpc>
@@ -13535,14 +14248,14 @@
             <p:ph idx="1"/>
             <p:extLst>
               <p:ext uri="{D42A27DB-BD31-4B8C-83A1-F6EECF244321}">
-                <p14:modId xmlns:p14="http://schemas.microsoft.com/office/powerpoint/2010/main" val="3501508305"/>
+                <p14:modId xmlns:p14="http://schemas.microsoft.com/office/powerpoint/2010/main" val="995464127"/>
               </p:ext>
             </p:extLst>
           </p:nvPr>
         </p:nvGraphicFramePr>
         <p:xfrm>
           <a:off x="204476" y="154378"/>
-          <a:ext cx="11552096" cy="6267050"/>
+          <a:ext cx="11552096" cy="5261485"/>
         </p:xfrm>
         <a:graphic>
           <a:graphicData uri="http://schemas.openxmlformats.org/drawingml/2006/table">
@@ -13594,7 +14307,7 @@
                   </a:extLst>
                 </a:gridCol>
               </a:tblGrid>
-              <a:tr h="507472">
+              <a:tr h="396931">
                 <a:tc>
                   <a:txBody>
                     <a:bodyPr/>
@@ -13781,7 +14494,7 @@
                   </a:ext>
                 </a:extLst>
               </a:tr>
-              <a:tr h="1447737">
+              <a:tr h="1340145">
                 <a:tc rowSpan="2">
                   <a:txBody>
                     <a:bodyPr/>
@@ -13883,7 +14596,7 @@
                     <a:bodyPr/>
                     <a:lstStyle/>
                     <a:p>
-                      <a:pPr marL="0" marR="0" algn="just" defTabSz="914400" rtl="0" eaLnBrk="1" latinLnBrk="0" hangingPunct="1">
+                      <a:pPr marL="0" marR="0" algn="just" defTabSz="914400" rtl="0" eaLnBrk="1" latinLnBrk="1" hangingPunct="1">
                         <a:lnSpc>
                           <a:spcPct val="107000"/>
                         </a:lnSpc>
@@ -14015,7 +14728,7 @@
                     <a:bodyPr/>
                     <a:lstStyle/>
                     <a:p>
-                      <a:pPr marL="0" marR="0" lvl="0" indent="0" algn="just" defTabSz="914400" rtl="0" eaLnBrk="1" fontAlgn="auto" latinLnBrk="0" hangingPunct="1">
+                      <a:pPr marL="0" marR="0" lvl="0" indent="0" algn="just" defTabSz="914400" rtl="0" eaLnBrk="1" fontAlgn="auto" latinLnBrk="1" hangingPunct="1">
                         <a:lnSpc>
                           <a:spcPct val="107000"/>
                         </a:lnSpc>
@@ -14078,7 +14791,7 @@
                   </a:ext>
                 </a:extLst>
               </a:tr>
-              <a:tr h="1096751">
+              <a:tr h="1132041">
                 <a:tc vMerge="1">
                   <a:txBody>
                     <a:bodyPr/>
@@ -14114,7 +14827,7 @@
                     <a:bodyPr/>
                     <a:lstStyle/>
                     <a:p>
-                      <a:pPr marL="0" marR="0" lvl="0" indent="0" algn="just" defTabSz="914400" rtl="0" eaLnBrk="1" fontAlgn="auto" latinLnBrk="0" hangingPunct="1">
+                      <a:pPr marL="0" marR="0" lvl="0" indent="0" algn="just" defTabSz="914400" rtl="0" eaLnBrk="1" fontAlgn="auto" latinLnBrk="1" hangingPunct="1">
                         <a:lnSpc>
                           <a:spcPct val="100000"/>
                         </a:lnSpc>
@@ -14223,7 +14936,7 @@
                   </a:ext>
                 </a:extLst>
               </a:tr>
-              <a:tr h="973688">
+              <a:tr h="761592">
                 <a:tc rowSpan="3">
                   <a:txBody>
                     <a:bodyPr/>
@@ -14267,7 +14980,7 @@
                     <a:bodyPr/>
                     <a:lstStyle/>
                     <a:p>
-                      <a:pPr marL="0" marR="0" lvl="0" indent="0" algn="ctr" defTabSz="914400" rtl="0" eaLnBrk="1" fontAlgn="auto" latinLnBrk="0" hangingPunct="1">
+                      <a:pPr marL="0" marR="0" lvl="0" indent="0" algn="ctr" defTabSz="914400" rtl="0" eaLnBrk="1" fontAlgn="auto" latinLnBrk="1" hangingPunct="1">
                         <a:lnSpc>
                           <a:spcPct val="107000"/>
                         </a:lnSpc>
@@ -14520,7 +15233,7 @@
                   </a:ext>
                 </a:extLst>
               </a:tr>
-              <a:tr h="973688">
+              <a:tr h="761592">
                 <a:tc vMerge="1">
                   <a:txBody>
                     <a:bodyPr/>
@@ -14722,7 +15435,7 @@
                   </a:ext>
                 </a:extLst>
               </a:tr>
-              <a:tr h="973688">
+              <a:tr h="761592">
                 <a:tc vMerge="1">
                   <a:txBody>
                     <a:bodyPr/>
@@ -14974,7 +15687,7 @@
             <p:ph idx="1"/>
             <p:extLst>
               <p:ext uri="{D42A27DB-BD31-4B8C-83A1-F6EECF244321}">
-                <p14:modId xmlns:p14="http://schemas.microsoft.com/office/powerpoint/2010/main" val="4205061146"/>
+                <p14:modId xmlns:p14="http://schemas.microsoft.com/office/powerpoint/2010/main" val="3355601141"/>
               </p:ext>
             </p:extLst>
           </p:nvPr>
@@ -15430,7 +16143,7 @@
                     <a:bodyPr/>
                     <a:lstStyle/>
                     <a:p>
-                      <a:pPr marL="0" marR="0" lvl="0" indent="0" algn="just" defTabSz="914400" rtl="0" eaLnBrk="1" fontAlgn="auto" latinLnBrk="0" hangingPunct="1">
+                      <a:pPr marL="0" marR="0" lvl="0" indent="0" algn="just" defTabSz="914400" rtl="0" eaLnBrk="1" fontAlgn="auto" latinLnBrk="1" hangingPunct="1">
                         <a:lnSpc>
                           <a:spcPct val="107000"/>
                         </a:lnSpc>
@@ -17492,2434 +18205,6 @@
                     </a:p>
                   </a:txBody>
                   <a:tcPr marL="68580" marR="68580" marT="0" marB="0" anchor="ctr" anchorCtr="1"/>
-                </a:tc>
-                <a:tc vMerge="1">
-                  <a:txBody>
-                    <a:bodyPr/>
-                    <a:lstStyle/>
-                    <a:p>
-                      <a:pPr marL="0" marR="0" lvl="0" indent="0" algn="ctr" defTabSz="914400" rtl="0" eaLnBrk="1" fontAlgn="auto" latinLnBrk="0" hangingPunct="1">
-                        <a:lnSpc>
-                          <a:spcPct val="107000"/>
-                        </a:lnSpc>
-                        <a:spcBef>
-                          <a:spcPts val="0"/>
-                        </a:spcBef>
-                        <a:spcAft>
-                          <a:spcPts val="0"/>
-                        </a:spcAft>
-                        <a:buClrTx/>
-                        <a:buSzTx/>
-                        <a:buFontTx/>
-                        <a:buNone/>
-                        <a:tabLst/>
-                        <a:defRPr/>
-                      </a:pPr>
-                      <a:endParaRPr lang="en-US" sz="1800" dirty="0">
-                        <a:effectLst/>
-                        <a:latin typeface="Times New Roman" panose="02020603050405020304" pitchFamily="18" charset="0"/>
-                        <a:cs typeface="Times New Roman" panose="02020603050405020304" pitchFamily="18" charset="0"/>
-                      </a:endParaRPr>
-                    </a:p>
-                  </a:txBody>
-                  <a:tcPr marL="68580" marR="68580" marT="0" marB="0" anchor="ctr"/>
-                </a:tc>
-                <a:tc vMerge="1">
-                  <a:txBody>
-                    <a:bodyPr/>
-                    <a:lstStyle/>
-                    <a:p>
-                      <a:pPr marL="0" marR="0" lvl="0" indent="0" algn="ctr" defTabSz="914400" rtl="0" eaLnBrk="1" fontAlgn="auto" latinLnBrk="0" hangingPunct="1">
-                        <a:lnSpc>
-                          <a:spcPct val="107000"/>
-                        </a:lnSpc>
-                        <a:spcBef>
-                          <a:spcPts val="0"/>
-                        </a:spcBef>
-                        <a:spcAft>
-                          <a:spcPts val="0"/>
-                        </a:spcAft>
-                        <a:buClrTx/>
-                        <a:buSzTx/>
-                        <a:buFontTx/>
-                        <a:buNone/>
-                        <a:tabLst/>
-                        <a:defRPr/>
-                      </a:pPr>
-                      <a:endParaRPr lang="en-US" sz="1800" dirty="0">
-                        <a:effectLst/>
-                        <a:latin typeface="Times New Roman" panose="02020603050405020304" pitchFamily="18" charset="0"/>
-                        <a:cs typeface="Times New Roman" panose="02020603050405020304" pitchFamily="18" charset="0"/>
-                      </a:endParaRPr>
-                    </a:p>
-                  </a:txBody>
-                  <a:tcPr marL="68580" marR="68580" marT="0" marB="0" anchor="ctr"/>
-                </a:tc>
-                <a:extLst>
-                  <a:ext uri="{0D108BD9-81ED-4DB2-BD59-A6C34878D82A}">
-                    <a16:rowId xmlns:a16="http://schemas.microsoft.com/office/drawing/2014/main" val="4289513594"/>
-                  </a:ext>
-                </a:extLst>
-              </a:tr>
-            </a:tbl>
-          </a:graphicData>
-        </a:graphic>
-      </p:graphicFrame>
-      <p:graphicFrame>
-        <p:nvGraphicFramePr>
-          <p:cNvPr id="3" name="内容占位符 3">
-            <a:extLst>
-              <a:ext uri="{FF2B5EF4-FFF2-40B4-BE49-F238E27FC236}">
-                <a16:creationId xmlns:a16="http://schemas.microsoft.com/office/drawing/2014/main" id="{24F3965C-B7EA-4BF3-8A45-7A28FBDF612D}"/>
-              </a:ext>
-            </a:extLst>
-          </p:cNvPr>
-          <p:cNvGraphicFramePr>
-            <a:graphicFrameLocks/>
-          </p:cNvGraphicFramePr>
-          <p:nvPr>
-            <p:extLst>
-              <p:ext uri="{D42A27DB-BD31-4B8C-83A1-F6EECF244321}">
-                <p14:modId xmlns:p14="http://schemas.microsoft.com/office/powerpoint/2010/main" val="1057190565"/>
-              </p:ext>
-            </p:extLst>
-          </p:nvPr>
-        </p:nvGraphicFramePr>
-        <p:xfrm>
-          <a:off x="204476" y="-5518947"/>
-          <a:ext cx="11552096" cy="5518947"/>
-        </p:xfrm>
-        <a:graphic>
-          <a:graphicData uri="http://schemas.openxmlformats.org/drawingml/2006/table">
-            <a:tbl>
-              <a:tblPr firstRow="1" firstCol="1" bandRow="1">
-                <a:tableStyleId>{5940675A-B579-460E-94D1-54222C63F5DA}</a:tableStyleId>
-              </a:tblPr>
-              <a:tblGrid>
-                <a:gridCol w="1200090">
-                  <a:extLst>
-                    <a:ext uri="{9D8B030D-6E8A-4147-A177-3AD203B41FA5}">
-                      <a16:colId xmlns:a16="http://schemas.microsoft.com/office/drawing/2014/main" val="3557805364"/>
-                    </a:ext>
-                  </a:extLst>
-                </a:gridCol>
-                <a:gridCol w="1270659">
-                  <a:extLst>
-                    <a:ext uri="{9D8B030D-6E8A-4147-A177-3AD203B41FA5}">
-                      <a16:colId xmlns:a16="http://schemas.microsoft.com/office/drawing/2014/main" val="3524856799"/>
-                    </a:ext>
-                  </a:extLst>
-                </a:gridCol>
-                <a:gridCol w="475013">
-                  <a:extLst>
-                    <a:ext uri="{9D8B030D-6E8A-4147-A177-3AD203B41FA5}">
-                      <a16:colId xmlns:a16="http://schemas.microsoft.com/office/drawing/2014/main" val="1805124618"/>
-                    </a:ext>
-                  </a:extLst>
-                </a:gridCol>
-                <a:gridCol w="3265715">
-                  <a:extLst>
-                    <a:ext uri="{9D8B030D-6E8A-4147-A177-3AD203B41FA5}">
-                      <a16:colId xmlns:a16="http://schemas.microsoft.com/office/drawing/2014/main" val="1387593033"/>
-                    </a:ext>
-                  </a:extLst>
-                </a:gridCol>
-                <a:gridCol w="1816924">
-                  <a:extLst>
-                    <a:ext uri="{9D8B030D-6E8A-4147-A177-3AD203B41FA5}">
-                      <a16:colId xmlns:a16="http://schemas.microsoft.com/office/drawing/2014/main" val="776739422"/>
-                    </a:ext>
-                  </a:extLst>
-                </a:gridCol>
-                <a:gridCol w="3523695">
-                  <a:extLst>
-                    <a:ext uri="{9D8B030D-6E8A-4147-A177-3AD203B41FA5}">
-                      <a16:colId xmlns:a16="http://schemas.microsoft.com/office/drawing/2014/main" val="1361186130"/>
-                    </a:ext>
-                  </a:extLst>
-                </a:gridCol>
-              </a:tblGrid>
-              <a:tr h="474453">
-                <a:tc>
-                  <a:txBody>
-                    <a:bodyPr/>
-                    <a:lstStyle/>
-                    <a:p>
-                      <a:pPr marL="0" marR="0" algn="ctr">
-                        <a:lnSpc>
-                          <a:spcPct val="107000"/>
-                        </a:lnSpc>
-                        <a:spcBef>
-                          <a:spcPts val="0"/>
-                        </a:spcBef>
-                        <a:spcAft>
-                          <a:spcPts val="0"/>
-                        </a:spcAft>
-                      </a:pPr>
-                      <a:r>
-                        <a:rPr lang="en-US" sz="1800" dirty="0">
-                          <a:effectLst/>
-                          <a:latin typeface="Times New Roman" panose="02020603050405020304" pitchFamily="18" charset="0"/>
-                          <a:cs typeface="Times New Roman" panose="02020603050405020304" pitchFamily="18" charset="0"/>
-                        </a:rPr>
-                        <a:t>Author</a:t>
-                      </a:r>
-                      <a:endParaRPr lang="en-US" sz="1800" dirty="0">
-                        <a:effectLst/>
-                        <a:latin typeface="Times New Roman" panose="02020603050405020304" pitchFamily="18" charset="0"/>
-                        <a:ea typeface="맑은 고딕" panose="020B0503020000020004" pitchFamily="50" charset="-127"/>
-                        <a:cs typeface="Times New Roman" panose="02020603050405020304" pitchFamily="18" charset="0"/>
-                      </a:endParaRPr>
-                    </a:p>
-                  </a:txBody>
-                  <a:tcPr marL="68580" marR="68580" marT="0" marB="0" anchor="ctr"/>
-                </a:tc>
-                <a:tc>
-                  <a:txBody>
-                    <a:bodyPr/>
-                    <a:lstStyle/>
-                    <a:p>
-                      <a:pPr marL="0" marR="0" algn="ctr">
-                        <a:lnSpc>
-                          <a:spcPct val="107000"/>
-                        </a:lnSpc>
-                        <a:spcBef>
-                          <a:spcPts val="0"/>
-                        </a:spcBef>
-                        <a:spcAft>
-                          <a:spcPts val="0"/>
-                        </a:spcAft>
-                      </a:pPr>
-                      <a:r>
-                        <a:rPr lang="en-US" sz="1800" dirty="0">
-                          <a:effectLst/>
-                          <a:latin typeface="Times New Roman" panose="02020603050405020304" pitchFamily="18" charset="0"/>
-                          <a:cs typeface="Times New Roman" panose="02020603050405020304" pitchFamily="18" charset="0"/>
-                        </a:rPr>
-                        <a:t>Essay topic</a:t>
-                      </a:r>
-                      <a:endParaRPr lang="en-US" sz="1800" dirty="0">
-                        <a:effectLst/>
-                        <a:latin typeface="Times New Roman" panose="02020603050405020304" pitchFamily="18" charset="0"/>
-                        <a:ea typeface="맑은 고딕" panose="020B0503020000020004" pitchFamily="50" charset="-127"/>
-                        <a:cs typeface="Times New Roman" panose="02020603050405020304" pitchFamily="18" charset="0"/>
-                      </a:endParaRPr>
-                    </a:p>
-                  </a:txBody>
-                  <a:tcPr marL="68580" marR="68580" marT="0" marB="0" anchor="ctr"/>
-                </a:tc>
-                <a:tc gridSpan="2">
-                  <a:txBody>
-                    <a:bodyPr/>
-                    <a:lstStyle/>
-                    <a:p>
-                      <a:pPr marL="0" marR="0" algn="ctr">
-                        <a:lnSpc>
-                          <a:spcPct val="107000"/>
-                        </a:lnSpc>
-                        <a:spcBef>
-                          <a:spcPts val="0"/>
-                        </a:spcBef>
-                        <a:spcAft>
-                          <a:spcPts val="0"/>
-                        </a:spcAft>
-                      </a:pPr>
-                      <a:r>
-                        <a:rPr lang="en-US" sz="1800" dirty="0">
-                          <a:effectLst/>
-                          <a:latin typeface="Times New Roman" panose="02020603050405020304" pitchFamily="18" charset="0"/>
-                          <a:cs typeface="Times New Roman" panose="02020603050405020304" pitchFamily="18" charset="0"/>
-                        </a:rPr>
-                        <a:t>Gauge dimensions</a:t>
-                      </a:r>
-                      <a:endParaRPr lang="en-US" sz="1800" dirty="0">
-                        <a:effectLst/>
-                        <a:latin typeface="Times New Roman" panose="02020603050405020304" pitchFamily="18" charset="0"/>
-                        <a:ea typeface="맑은 고딕" panose="020B0503020000020004" pitchFamily="50" charset="-127"/>
-                        <a:cs typeface="Times New Roman" panose="02020603050405020304" pitchFamily="18" charset="0"/>
-                      </a:endParaRPr>
-                    </a:p>
-                  </a:txBody>
-                  <a:tcPr marL="68580" marR="68580" marT="0" marB="0" anchor="ctr"/>
-                </a:tc>
-                <a:tc hMerge="1">
-                  <a:txBody>
-                    <a:bodyPr/>
-                    <a:lstStyle/>
-                    <a:p>
-                      <a:endParaRPr lang="en-US"/>
-                    </a:p>
-                  </a:txBody>
-                  <a:tcPr/>
-                </a:tc>
-                <a:tc>
-                  <a:txBody>
-                    <a:bodyPr/>
-                    <a:lstStyle/>
-                    <a:p>
-                      <a:pPr marL="0" marR="0" algn="ctr">
-                        <a:lnSpc>
-                          <a:spcPct val="107000"/>
-                        </a:lnSpc>
-                        <a:spcBef>
-                          <a:spcPts val="0"/>
-                        </a:spcBef>
-                        <a:spcAft>
-                          <a:spcPts val="0"/>
-                        </a:spcAft>
-                      </a:pPr>
-                      <a:r>
-                        <a:rPr lang="en-US" sz="1800" dirty="0">
-                          <a:effectLst/>
-                          <a:latin typeface="Times New Roman" panose="02020603050405020304" pitchFamily="18" charset="0"/>
-                          <a:cs typeface="Times New Roman" panose="02020603050405020304" pitchFamily="18" charset="0"/>
-                        </a:rPr>
-                        <a:t>Applicable people</a:t>
-                      </a:r>
-                      <a:endParaRPr lang="en-US" sz="1800" dirty="0">
-                        <a:effectLst/>
-                        <a:latin typeface="Times New Roman" panose="02020603050405020304" pitchFamily="18" charset="0"/>
-                        <a:ea typeface="맑은 고딕" panose="020B0503020000020004" pitchFamily="50" charset="-127"/>
-                        <a:cs typeface="Times New Roman" panose="02020603050405020304" pitchFamily="18" charset="0"/>
-                      </a:endParaRPr>
-                    </a:p>
-                  </a:txBody>
-                  <a:tcPr marL="68580" marR="68580" marT="0" marB="0" anchor="ctr"/>
-                </a:tc>
-                <a:tc>
-                  <a:txBody>
-                    <a:bodyPr/>
-                    <a:lstStyle/>
-                    <a:p>
-                      <a:pPr marL="0" marR="0" algn="ctr">
-                        <a:lnSpc>
-                          <a:spcPct val="107000"/>
-                        </a:lnSpc>
-                        <a:spcBef>
-                          <a:spcPts val="0"/>
-                        </a:spcBef>
-                        <a:spcAft>
-                          <a:spcPts val="0"/>
-                        </a:spcAft>
-                      </a:pPr>
-                      <a:r>
-                        <a:rPr lang="en-US" sz="1800" dirty="0">
-                          <a:effectLst/>
-                          <a:latin typeface="Times New Roman" panose="02020603050405020304" pitchFamily="18" charset="0"/>
-                          <a:cs typeface="Times New Roman" panose="02020603050405020304" pitchFamily="18" charset="0"/>
-                        </a:rPr>
-                        <a:t>Gauge features</a:t>
-                      </a:r>
-                      <a:endParaRPr lang="en-US" sz="1800" dirty="0">
-                        <a:effectLst/>
-                        <a:latin typeface="Times New Roman" panose="02020603050405020304" pitchFamily="18" charset="0"/>
-                        <a:ea typeface="맑은 고딕" panose="020B0503020000020004" pitchFamily="50" charset="-127"/>
-                        <a:cs typeface="Times New Roman" panose="02020603050405020304" pitchFamily="18" charset="0"/>
-                      </a:endParaRPr>
-                    </a:p>
-                  </a:txBody>
-                  <a:tcPr marL="68580" marR="68580" marT="0" marB="0" anchor="ctr"/>
-                </a:tc>
-                <a:extLst>
-                  <a:ext uri="{0D108BD9-81ED-4DB2-BD59-A6C34878D82A}">
-                    <a16:rowId xmlns:a16="http://schemas.microsoft.com/office/drawing/2014/main" val="477381270"/>
-                  </a:ext>
-                </a:extLst>
-              </a:tr>
-              <a:tr h="388038">
-                <a:tc rowSpan="7">
-                  <a:txBody>
-                    <a:bodyPr/>
-                    <a:lstStyle/>
-                    <a:p>
-                      <a:pPr marL="0" marR="0" algn="ctr">
-                        <a:lnSpc>
-                          <a:spcPct val="107000"/>
-                        </a:lnSpc>
-                        <a:spcBef>
-                          <a:spcPts val="0"/>
-                        </a:spcBef>
-                        <a:spcAft>
-                          <a:spcPts val="0"/>
-                        </a:spcAft>
-                      </a:pPr>
-                      <a:r>
-                        <a:rPr lang="en-US" sz="1800" dirty="0">
-                          <a:effectLst/>
-                          <a:latin typeface="Times New Roman" panose="02020603050405020304" pitchFamily="18" charset="0"/>
-                          <a:cs typeface="Times New Roman" panose="02020603050405020304" pitchFamily="18" charset="0"/>
-                        </a:rPr>
-                        <a:t>Alvaro &amp; Babette </a:t>
-                      </a:r>
-                      <a:endParaRPr lang="en-US" sz="1800" dirty="0">
-                        <a:effectLst/>
-                        <a:latin typeface="Times New Roman" panose="02020603050405020304" pitchFamily="18" charset="0"/>
-                        <a:ea typeface="맑은 고딕" panose="020B0503020000020004" pitchFamily="50" charset="-127"/>
-                        <a:cs typeface="Times New Roman" panose="02020603050405020304" pitchFamily="18" charset="0"/>
-                      </a:endParaRPr>
-                    </a:p>
-                  </a:txBody>
-                  <a:tcPr marL="68580" marR="68580" marT="0" marB="0" anchor="ctr"/>
-                </a:tc>
-                <a:tc rowSpan="7">
-                  <a:txBody>
-                    <a:bodyPr/>
-                    <a:lstStyle/>
-                    <a:p>
-                      <a:pPr marL="0" marR="0" algn="ctr">
-                        <a:lnSpc>
-                          <a:spcPct val="107000"/>
-                        </a:lnSpc>
-                        <a:spcBef>
-                          <a:spcPts val="0"/>
-                        </a:spcBef>
-                        <a:spcAft>
-                          <a:spcPts val="0"/>
-                        </a:spcAft>
-                      </a:pPr>
-                      <a:r>
-                        <a:rPr lang="en-US" sz="1800" dirty="0">
-                          <a:effectLst/>
-                          <a:latin typeface="Times New Roman" panose="02020603050405020304" pitchFamily="18" charset="0"/>
-                          <a:cs typeface="Times New Roman" panose="02020603050405020304" pitchFamily="18" charset="0"/>
-                        </a:rPr>
-                        <a:t>Rubric for Assessing or Designing Digital Playful Learning Spaces(2001)</a:t>
-                      </a:r>
-                      <a:endParaRPr lang="en-US" sz="1800" dirty="0">
-                        <a:effectLst/>
-                        <a:latin typeface="Times New Roman" panose="02020603050405020304" pitchFamily="18" charset="0"/>
-                        <a:ea typeface="맑은 고딕" panose="020B0503020000020004" pitchFamily="50" charset="-127"/>
-                        <a:cs typeface="Times New Roman" panose="02020603050405020304" pitchFamily="18" charset="0"/>
-                      </a:endParaRPr>
-                    </a:p>
-                  </a:txBody>
-                  <a:tcPr marL="68580" marR="68580" marT="0" marB="0" anchor="ctr"/>
-                </a:tc>
-                <a:tc rowSpan="7">
-                  <a:txBody>
-                    <a:bodyPr/>
-                    <a:lstStyle/>
-                    <a:p>
-                      <a:pPr marL="0" marR="0" algn="ctr">
-                        <a:lnSpc>
-                          <a:spcPct val="107000"/>
-                        </a:lnSpc>
-                        <a:spcBef>
-                          <a:spcPts val="0"/>
-                        </a:spcBef>
-                        <a:spcAft>
-                          <a:spcPts val="0"/>
-                        </a:spcAft>
-                      </a:pPr>
-                      <a:r>
-                        <a:rPr lang="en-US" sz="1800" dirty="0">
-                          <a:effectLst/>
-                          <a:latin typeface="Times New Roman" panose="02020603050405020304" pitchFamily="18" charset="0"/>
-                          <a:cs typeface="Times New Roman" panose="02020603050405020304" pitchFamily="18" charset="0"/>
-                        </a:rPr>
-                        <a:t>7D</a:t>
-                      </a:r>
-                      <a:endParaRPr lang="en-US" sz="1800" dirty="0">
-                        <a:effectLst/>
-                        <a:latin typeface="Times New Roman" panose="02020603050405020304" pitchFamily="18" charset="0"/>
-                        <a:ea typeface="맑은 고딕" panose="020B0503020000020004" pitchFamily="50" charset="-127"/>
-                        <a:cs typeface="Times New Roman" panose="02020603050405020304" pitchFamily="18" charset="0"/>
-                      </a:endParaRPr>
-                    </a:p>
-                  </a:txBody>
-                  <a:tcPr marL="68580" marR="68580" marT="0" marB="0" anchor="ctr"/>
-                </a:tc>
-                <a:tc>
-                  <a:txBody>
-                    <a:bodyPr/>
-                    <a:lstStyle/>
-                    <a:p>
-                      <a:pPr marL="0" marR="0" algn="ctr">
-                        <a:lnSpc>
-                          <a:spcPct val="107000"/>
-                        </a:lnSpc>
-                        <a:spcBef>
-                          <a:spcPts val="0"/>
-                        </a:spcBef>
-                        <a:spcAft>
-                          <a:spcPts val="0"/>
-                        </a:spcAft>
-                      </a:pPr>
-                      <a:r>
-                        <a:rPr lang="en-US" sz="1800" dirty="0">
-                          <a:effectLst/>
-                          <a:latin typeface="Times New Roman" panose="02020603050405020304" pitchFamily="18" charset="0"/>
-                          <a:cs typeface="Times New Roman" panose="02020603050405020304" pitchFamily="18" charset="0"/>
-                        </a:rPr>
-                        <a:t>Fantasy space</a:t>
-                      </a:r>
-                      <a:endParaRPr lang="en-US" sz="1800" dirty="0">
-                        <a:effectLst/>
-                        <a:latin typeface="Times New Roman" panose="02020603050405020304" pitchFamily="18" charset="0"/>
-                        <a:ea typeface="맑은 고딕" panose="020B0503020000020004" pitchFamily="50" charset="-127"/>
-                        <a:cs typeface="Times New Roman" panose="02020603050405020304" pitchFamily="18" charset="0"/>
-                      </a:endParaRPr>
-                    </a:p>
-                  </a:txBody>
-                  <a:tcPr marL="68580" marR="68580" marT="0" marB="0" anchor="ctr"/>
-                </a:tc>
-                <a:tc rowSpan="7">
-                  <a:txBody>
-                    <a:bodyPr/>
-                    <a:lstStyle/>
-                    <a:p>
-                      <a:pPr marL="0" marR="0" lvl="0" indent="0" algn="ctr" defTabSz="914400" rtl="0" eaLnBrk="1" fontAlgn="auto" latinLnBrk="0" hangingPunct="1">
-                        <a:lnSpc>
-                          <a:spcPct val="107000"/>
-                        </a:lnSpc>
-                        <a:spcBef>
-                          <a:spcPts val="0"/>
-                        </a:spcBef>
-                        <a:spcAft>
-                          <a:spcPts val="0"/>
-                        </a:spcAft>
-                        <a:buClrTx/>
-                        <a:buSzTx/>
-                        <a:buFontTx/>
-                        <a:buNone/>
-                        <a:tabLst/>
-                        <a:defRPr/>
-                      </a:pPr>
-                      <a:r>
-                        <a:rPr lang="en-US" sz="1800" dirty="0">
-                          <a:effectLst/>
-                          <a:latin typeface="Times New Roman" panose="02020603050405020304" pitchFamily="18" charset="0"/>
-                          <a:cs typeface="Times New Roman" panose="02020603050405020304" pitchFamily="18" charset="0"/>
-                        </a:rPr>
-                        <a:t>Decision makers</a:t>
-                      </a:r>
-                    </a:p>
-                    <a:p>
-                      <a:pPr marL="0" marR="0" lvl="0" indent="0" algn="ctr" defTabSz="914400" rtl="0" eaLnBrk="1" fontAlgn="auto" latinLnBrk="0" hangingPunct="1">
-                        <a:lnSpc>
-                          <a:spcPct val="107000"/>
-                        </a:lnSpc>
-                        <a:spcBef>
-                          <a:spcPts val="0"/>
-                        </a:spcBef>
-                        <a:spcAft>
-                          <a:spcPts val="0"/>
-                        </a:spcAft>
-                        <a:buClrTx/>
-                        <a:buSzTx/>
-                        <a:buFontTx/>
-                        <a:buNone/>
-                        <a:tabLst/>
-                        <a:defRPr/>
-                      </a:pPr>
-                      <a:r>
-                        <a:rPr lang="en-US" sz="1800" dirty="0">
-                          <a:effectLst/>
-                          <a:latin typeface="Times New Roman" panose="02020603050405020304" pitchFamily="18" charset="0"/>
-                          <a:cs typeface="Times New Roman" panose="02020603050405020304" pitchFamily="18" charset="0"/>
-                        </a:rPr>
-                        <a:t>Parents Teachers  </a:t>
-                      </a:r>
-                    </a:p>
-                    <a:p>
-                      <a:pPr marL="0" marR="0" lvl="0" indent="0" algn="ctr" defTabSz="914400" rtl="0" eaLnBrk="1" fontAlgn="auto" latinLnBrk="0" hangingPunct="1">
-                        <a:lnSpc>
-                          <a:spcPct val="107000"/>
-                        </a:lnSpc>
-                        <a:spcBef>
-                          <a:spcPts val="0"/>
-                        </a:spcBef>
-                        <a:spcAft>
-                          <a:spcPts val="0"/>
-                        </a:spcAft>
-                        <a:buClrTx/>
-                        <a:buSzTx/>
-                        <a:buFontTx/>
-                        <a:buNone/>
-                        <a:tabLst/>
-                        <a:defRPr/>
-                      </a:pPr>
-                      <a:r>
-                        <a:rPr lang="en-US" sz="1800" dirty="0">
-                          <a:effectLst/>
-                          <a:latin typeface="Times New Roman" panose="02020603050405020304" pitchFamily="18" charset="0"/>
-                          <a:cs typeface="Times New Roman" panose="02020603050405020304" pitchFamily="18" charset="0"/>
-                        </a:rPr>
-                        <a:t>Businesses  </a:t>
-                      </a:r>
-                    </a:p>
-                    <a:p>
-                      <a:pPr marL="0" marR="0" lvl="0" indent="0" algn="ctr" defTabSz="914400" rtl="0" eaLnBrk="1" fontAlgn="auto" latinLnBrk="0" hangingPunct="1">
-                        <a:lnSpc>
-                          <a:spcPct val="107000"/>
-                        </a:lnSpc>
-                        <a:spcBef>
-                          <a:spcPts val="0"/>
-                        </a:spcBef>
-                        <a:spcAft>
-                          <a:spcPts val="0"/>
-                        </a:spcAft>
-                        <a:buClrTx/>
-                        <a:buSzTx/>
-                        <a:buFontTx/>
-                        <a:buNone/>
-                        <a:tabLst/>
-                        <a:defRPr/>
-                      </a:pPr>
-                      <a:r>
-                        <a:rPr lang="en-US" sz="1800" dirty="0">
-                          <a:effectLst/>
-                          <a:latin typeface="Times New Roman" panose="02020603050405020304" pitchFamily="18" charset="0"/>
-                          <a:cs typeface="Times New Roman" panose="02020603050405020304" pitchFamily="18" charset="0"/>
-                        </a:rPr>
-                        <a:t>Educators </a:t>
-                      </a:r>
-                    </a:p>
-                    <a:p>
-                      <a:pPr marL="0" marR="0" lvl="0" indent="0" algn="ctr" defTabSz="914400" rtl="0" eaLnBrk="1" fontAlgn="auto" latinLnBrk="0" hangingPunct="1">
-                        <a:lnSpc>
-                          <a:spcPct val="107000"/>
-                        </a:lnSpc>
-                        <a:spcBef>
-                          <a:spcPts val="0"/>
-                        </a:spcBef>
-                        <a:spcAft>
-                          <a:spcPts val="0"/>
-                        </a:spcAft>
-                        <a:buClrTx/>
-                        <a:buSzTx/>
-                        <a:buFontTx/>
-                        <a:buNone/>
-                        <a:tabLst/>
-                        <a:defRPr/>
-                      </a:pPr>
-                      <a:r>
-                        <a:rPr lang="en-US" sz="1800" dirty="0">
-                          <a:effectLst/>
-                          <a:latin typeface="Times New Roman" panose="02020603050405020304" pitchFamily="18" charset="0"/>
-                          <a:cs typeface="Times New Roman" panose="02020603050405020304" pitchFamily="18" charset="0"/>
-                        </a:rPr>
-                        <a:t>Developers</a:t>
-                      </a:r>
-                    </a:p>
-                  </a:txBody>
-                  <a:tcPr marL="68580" marR="68580" marT="0" marB="0" anchor="ctr"/>
-                </a:tc>
-                <a:tc rowSpan="7">
-                  <a:txBody>
-                    <a:bodyPr/>
-                    <a:lstStyle/>
-                    <a:p>
-                      <a:pPr marL="0" marR="0" lvl="0" indent="0" algn="just" defTabSz="914400" rtl="0" eaLnBrk="1" fontAlgn="auto" latinLnBrk="0" hangingPunct="1">
-                        <a:lnSpc>
-                          <a:spcPct val="107000"/>
-                        </a:lnSpc>
-                        <a:spcBef>
-                          <a:spcPts val="0"/>
-                        </a:spcBef>
-                        <a:spcAft>
-                          <a:spcPts val="0"/>
-                        </a:spcAft>
-                        <a:buClrTx/>
-                        <a:buSzTx/>
-                        <a:buFontTx/>
-                        <a:buNone/>
-                        <a:tabLst/>
-                        <a:defRPr/>
-                      </a:pPr>
-                      <a:r>
-                        <a:rPr lang="en-US" sz="1800" dirty="0">
-                          <a:effectLst/>
-                          <a:latin typeface="Times New Roman" panose="02020603050405020304" pitchFamily="18" charset="0"/>
-                          <a:cs typeface="Times New Roman" panose="02020603050405020304" pitchFamily="18" charset="0"/>
-                        </a:rPr>
-                        <a:t>Emphasis is placed on the learning needs of users and less attention is paid to gameplay and entertainment. In the form of questions, it is a qualitative assessment</a:t>
-                      </a:r>
-                    </a:p>
-                  </a:txBody>
-                  <a:tcPr marL="68580" marR="68580" marT="0" marB="0" anchor="ctr"/>
-                </a:tc>
-                <a:extLst>
-                  <a:ext uri="{0D108BD9-81ED-4DB2-BD59-A6C34878D82A}">
-                    <a16:rowId xmlns:a16="http://schemas.microsoft.com/office/drawing/2014/main" val="372984438"/>
-                  </a:ext>
-                </a:extLst>
-              </a:tr>
-              <a:tr h="388038">
-                <a:tc vMerge="1">
-                  <a:txBody>
-                    <a:bodyPr/>
-                    <a:lstStyle/>
-                    <a:p>
-                      <a:endParaRPr lang="en-US"/>
-                    </a:p>
-                  </a:txBody>
-                  <a:tcPr/>
-                </a:tc>
-                <a:tc vMerge="1">
-                  <a:txBody>
-                    <a:bodyPr/>
-                    <a:lstStyle/>
-                    <a:p>
-                      <a:endParaRPr lang="en-US"/>
-                    </a:p>
-                  </a:txBody>
-                  <a:tcPr/>
-                </a:tc>
-                <a:tc vMerge="1">
-                  <a:txBody>
-                    <a:bodyPr/>
-                    <a:lstStyle/>
-                    <a:p>
-                      <a:endParaRPr lang="en-US"/>
-                    </a:p>
-                  </a:txBody>
-                  <a:tcPr/>
-                </a:tc>
-                <a:tc>
-                  <a:txBody>
-                    <a:bodyPr/>
-                    <a:lstStyle/>
-                    <a:p>
-                      <a:pPr marL="0" marR="0" algn="ctr">
-                        <a:spcBef>
-                          <a:spcPts val="0"/>
-                        </a:spcBef>
-                        <a:spcAft>
-                          <a:spcPts val="1200"/>
-                        </a:spcAft>
-                      </a:pPr>
-                      <a:r>
-                        <a:rPr lang="en-US" sz="1800" dirty="0">
-                          <a:effectLst/>
-                          <a:latin typeface="Times New Roman" panose="02020603050405020304" pitchFamily="18" charset="0"/>
-                          <a:cs typeface="Times New Roman" panose="02020603050405020304" pitchFamily="18" charset="0"/>
-                        </a:rPr>
-                        <a:t>Feedback</a:t>
-                      </a:r>
-                      <a:endParaRPr lang="en-US" sz="1800" dirty="0">
-                        <a:effectLst/>
-                        <a:latin typeface="Times New Roman" panose="02020603050405020304" pitchFamily="18" charset="0"/>
-                        <a:ea typeface="Times New Roman" panose="02020603050405020304" pitchFamily="18" charset="0"/>
-                        <a:cs typeface="Times New Roman" panose="02020603050405020304" pitchFamily="18" charset="0"/>
-                      </a:endParaRPr>
-                    </a:p>
-                  </a:txBody>
-                  <a:tcPr marL="68580" marR="68580" marT="0" marB="0" anchor="ctr"/>
-                </a:tc>
-                <a:tc vMerge="1">
-                  <a:txBody>
-                    <a:bodyPr/>
-                    <a:lstStyle/>
-                    <a:p>
-                      <a:pPr marL="0" marR="0" algn="ctr">
-                        <a:spcBef>
-                          <a:spcPts val="0"/>
-                        </a:spcBef>
-                        <a:spcAft>
-                          <a:spcPts val="1200"/>
-                        </a:spcAft>
-                      </a:pPr>
-                      <a:endParaRPr lang="en-US" sz="1200" dirty="0">
-                        <a:effectLst/>
-                        <a:latin typeface="Times New Roman" panose="02020603050405020304" pitchFamily="18" charset="0"/>
-                        <a:ea typeface="Times New Roman" panose="02020603050405020304" pitchFamily="18" charset="0"/>
-                        <a:cs typeface="Times New Roman" panose="02020603050405020304" pitchFamily="18" charset="0"/>
-                      </a:endParaRPr>
-                    </a:p>
-                  </a:txBody>
-                  <a:tcPr marL="68580" marR="68580" marT="0" marB="0"/>
-                </a:tc>
-                <a:tc vMerge="1">
-                  <a:txBody>
-                    <a:bodyPr/>
-                    <a:lstStyle/>
-                    <a:p>
-                      <a:pPr marL="0" marR="0" algn="ctr">
-                        <a:spcBef>
-                          <a:spcPts val="0"/>
-                        </a:spcBef>
-                        <a:spcAft>
-                          <a:spcPts val="1200"/>
-                        </a:spcAft>
-                      </a:pPr>
-                      <a:endParaRPr lang="en-US" sz="1200" dirty="0">
-                        <a:effectLst/>
-                        <a:latin typeface="Times New Roman" panose="02020603050405020304" pitchFamily="18" charset="0"/>
-                        <a:ea typeface="Times New Roman" panose="02020603050405020304" pitchFamily="18" charset="0"/>
-                        <a:cs typeface="Times New Roman" panose="02020603050405020304" pitchFamily="18" charset="0"/>
-                      </a:endParaRPr>
-                    </a:p>
-                  </a:txBody>
-                  <a:tcPr marL="68580" marR="68580" marT="0" marB="0"/>
-                </a:tc>
-                <a:extLst>
-                  <a:ext uri="{0D108BD9-81ED-4DB2-BD59-A6C34878D82A}">
-                    <a16:rowId xmlns:a16="http://schemas.microsoft.com/office/drawing/2014/main" val="152148575"/>
-                  </a:ext>
-                </a:extLst>
-              </a:tr>
-              <a:tr h="388038">
-                <a:tc vMerge="1">
-                  <a:txBody>
-                    <a:bodyPr/>
-                    <a:lstStyle/>
-                    <a:p>
-                      <a:endParaRPr lang="en-US"/>
-                    </a:p>
-                  </a:txBody>
-                  <a:tcPr/>
-                </a:tc>
-                <a:tc vMerge="1">
-                  <a:txBody>
-                    <a:bodyPr/>
-                    <a:lstStyle/>
-                    <a:p>
-                      <a:endParaRPr lang="en-US"/>
-                    </a:p>
-                  </a:txBody>
-                  <a:tcPr/>
-                </a:tc>
-                <a:tc vMerge="1">
-                  <a:txBody>
-                    <a:bodyPr/>
-                    <a:lstStyle/>
-                    <a:p>
-                      <a:endParaRPr lang="en-US"/>
-                    </a:p>
-                  </a:txBody>
-                  <a:tcPr/>
-                </a:tc>
-                <a:tc>
-                  <a:txBody>
-                    <a:bodyPr/>
-                    <a:lstStyle/>
-                    <a:p>
-                      <a:pPr marL="0" marR="0" algn="ctr">
-                        <a:spcBef>
-                          <a:spcPts val="0"/>
-                        </a:spcBef>
-                        <a:spcAft>
-                          <a:spcPts val="1200"/>
-                        </a:spcAft>
-                      </a:pPr>
-                      <a:r>
-                        <a:rPr lang="en-US" sz="1800" dirty="0">
-                          <a:effectLst/>
-                          <a:latin typeface="Times New Roman" panose="02020603050405020304" pitchFamily="18" charset="0"/>
-                          <a:cs typeface="Times New Roman" panose="02020603050405020304" pitchFamily="18" charset="0"/>
-                        </a:rPr>
-                        <a:t>Sense of control</a:t>
-                      </a:r>
-                      <a:endParaRPr lang="en-US" sz="1800" dirty="0">
-                        <a:effectLst/>
-                        <a:latin typeface="Times New Roman" panose="02020603050405020304" pitchFamily="18" charset="0"/>
-                        <a:ea typeface="Times New Roman" panose="02020603050405020304" pitchFamily="18" charset="0"/>
-                        <a:cs typeface="Times New Roman" panose="02020603050405020304" pitchFamily="18" charset="0"/>
-                      </a:endParaRPr>
-                    </a:p>
-                  </a:txBody>
-                  <a:tcPr marL="68580" marR="68580" marT="0" marB="0" anchor="ctr"/>
-                </a:tc>
-                <a:tc vMerge="1">
-                  <a:txBody>
-                    <a:bodyPr/>
-                    <a:lstStyle/>
-                    <a:p>
-                      <a:pPr marL="0" marR="0" algn="ctr">
-                        <a:spcBef>
-                          <a:spcPts val="0"/>
-                        </a:spcBef>
-                        <a:spcAft>
-                          <a:spcPts val="1200"/>
-                        </a:spcAft>
-                      </a:pPr>
-                      <a:endParaRPr lang="en-US" sz="1200" dirty="0">
-                        <a:effectLst/>
-                        <a:latin typeface="Times New Roman" panose="02020603050405020304" pitchFamily="18" charset="0"/>
-                        <a:ea typeface="Times New Roman" panose="02020603050405020304" pitchFamily="18" charset="0"/>
-                        <a:cs typeface="Times New Roman" panose="02020603050405020304" pitchFamily="18" charset="0"/>
-                      </a:endParaRPr>
-                    </a:p>
-                  </a:txBody>
-                  <a:tcPr marL="68580" marR="68580" marT="0" marB="0"/>
-                </a:tc>
-                <a:tc vMerge="1">
-                  <a:txBody>
-                    <a:bodyPr/>
-                    <a:lstStyle/>
-                    <a:p>
-                      <a:pPr marL="0" marR="0" algn="ctr">
-                        <a:spcBef>
-                          <a:spcPts val="0"/>
-                        </a:spcBef>
-                        <a:spcAft>
-                          <a:spcPts val="1200"/>
-                        </a:spcAft>
-                      </a:pPr>
-                      <a:endParaRPr lang="en-US" sz="1200" dirty="0">
-                        <a:effectLst/>
-                        <a:latin typeface="Times New Roman" panose="02020603050405020304" pitchFamily="18" charset="0"/>
-                        <a:ea typeface="Times New Roman" panose="02020603050405020304" pitchFamily="18" charset="0"/>
-                        <a:cs typeface="Times New Roman" panose="02020603050405020304" pitchFamily="18" charset="0"/>
-                      </a:endParaRPr>
-                    </a:p>
-                  </a:txBody>
-                  <a:tcPr marL="68580" marR="68580" marT="0" marB="0"/>
-                </a:tc>
-                <a:extLst>
-                  <a:ext uri="{0D108BD9-81ED-4DB2-BD59-A6C34878D82A}">
-                    <a16:rowId xmlns:a16="http://schemas.microsoft.com/office/drawing/2014/main" val="4197519745"/>
-                  </a:ext>
-                </a:extLst>
-              </a:tr>
-              <a:tr h="388038">
-                <a:tc vMerge="1">
-                  <a:txBody>
-                    <a:bodyPr/>
-                    <a:lstStyle/>
-                    <a:p>
-                      <a:endParaRPr lang="en-US"/>
-                    </a:p>
-                  </a:txBody>
-                  <a:tcPr/>
-                </a:tc>
-                <a:tc vMerge="1">
-                  <a:txBody>
-                    <a:bodyPr/>
-                    <a:lstStyle/>
-                    <a:p>
-                      <a:endParaRPr lang="en-US"/>
-                    </a:p>
-                  </a:txBody>
-                  <a:tcPr/>
-                </a:tc>
-                <a:tc vMerge="1">
-                  <a:txBody>
-                    <a:bodyPr/>
-                    <a:lstStyle/>
-                    <a:p>
-                      <a:endParaRPr lang="en-US"/>
-                    </a:p>
-                  </a:txBody>
-                  <a:tcPr/>
-                </a:tc>
-                <a:tc>
-                  <a:txBody>
-                    <a:bodyPr/>
-                    <a:lstStyle/>
-                    <a:p>
-                      <a:pPr marL="0" marR="0" algn="ctr">
-                        <a:spcBef>
-                          <a:spcPts val="0"/>
-                        </a:spcBef>
-                        <a:spcAft>
-                          <a:spcPts val="1200"/>
-                        </a:spcAft>
-                      </a:pPr>
-                      <a:r>
-                        <a:rPr lang="en-US" sz="1800" dirty="0">
-                          <a:effectLst/>
-                          <a:latin typeface="Times New Roman" panose="02020603050405020304" pitchFamily="18" charset="0"/>
-                          <a:cs typeface="Times New Roman" panose="02020603050405020304" pitchFamily="18" charset="0"/>
-                        </a:rPr>
-                        <a:t>Gamification learning curve</a:t>
-                      </a:r>
-                      <a:endParaRPr lang="en-US" sz="1800" dirty="0">
-                        <a:effectLst/>
-                        <a:latin typeface="Times New Roman" panose="02020603050405020304" pitchFamily="18" charset="0"/>
-                        <a:ea typeface="Times New Roman" panose="02020603050405020304" pitchFamily="18" charset="0"/>
-                        <a:cs typeface="Times New Roman" panose="02020603050405020304" pitchFamily="18" charset="0"/>
-                      </a:endParaRPr>
-                    </a:p>
-                  </a:txBody>
-                  <a:tcPr marL="68580" marR="68580" marT="0" marB="0" anchor="ctr"/>
-                </a:tc>
-                <a:tc vMerge="1">
-                  <a:txBody>
-                    <a:bodyPr/>
-                    <a:lstStyle/>
-                    <a:p>
-                      <a:pPr marL="0" marR="0" algn="ctr">
-                        <a:spcBef>
-                          <a:spcPts val="0"/>
-                        </a:spcBef>
-                        <a:spcAft>
-                          <a:spcPts val="1200"/>
-                        </a:spcAft>
-                      </a:pPr>
-                      <a:endParaRPr lang="en-US" sz="1200" dirty="0">
-                        <a:effectLst/>
-                        <a:latin typeface="Times New Roman" panose="02020603050405020304" pitchFamily="18" charset="0"/>
-                        <a:ea typeface="Times New Roman" panose="02020603050405020304" pitchFamily="18" charset="0"/>
-                        <a:cs typeface="Times New Roman" panose="02020603050405020304" pitchFamily="18" charset="0"/>
-                      </a:endParaRPr>
-                    </a:p>
-                  </a:txBody>
-                  <a:tcPr marL="68580" marR="68580" marT="0" marB="0"/>
-                </a:tc>
-                <a:tc vMerge="1">
-                  <a:txBody>
-                    <a:bodyPr/>
-                    <a:lstStyle/>
-                    <a:p>
-                      <a:pPr marL="0" marR="0" algn="ctr">
-                        <a:spcBef>
-                          <a:spcPts val="0"/>
-                        </a:spcBef>
-                        <a:spcAft>
-                          <a:spcPts val="1200"/>
-                        </a:spcAft>
-                      </a:pPr>
-                      <a:endParaRPr lang="en-US" sz="1200" dirty="0">
-                        <a:effectLst/>
-                        <a:latin typeface="Times New Roman" panose="02020603050405020304" pitchFamily="18" charset="0"/>
-                        <a:ea typeface="Times New Roman" panose="02020603050405020304" pitchFamily="18" charset="0"/>
-                        <a:cs typeface="Times New Roman" panose="02020603050405020304" pitchFamily="18" charset="0"/>
-                      </a:endParaRPr>
-                    </a:p>
-                  </a:txBody>
-                  <a:tcPr marL="68580" marR="68580" marT="0" marB="0"/>
-                </a:tc>
-                <a:extLst>
-                  <a:ext uri="{0D108BD9-81ED-4DB2-BD59-A6C34878D82A}">
-                    <a16:rowId xmlns:a16="http://schemas.microsoft.com/office/drawing/2014/main" val="3515630180"/>
-                  </a:ext>
-                </a:extLst>
-              </a:tr>
-              <a:tr h="388038">
-                <a:tc vMerge="1">
-                  <a:txBody>
-                    <a:bodyPr/>
-                    <a:lstStyle/>
-                    <a:p>
-                      <a:endParaRPr lang="en-US"/>
-                    </a:p>
-                  </a:txBody>
-                  <a:tcPr/>
-                </a:tc>
-                <a:tc vMerge="1">
-                  <a:txBody>
-                    <a:bodyPr/>
-                    <a:lstStyle/>
-                    <a:p>
-                      <a:endParaRPr lang="en-US"/>
-                    </a:p>
-                  </a:txBody>
-                  <a:tcPr/>
-                </a:tc>
-                <a:tc vMerge="1">
-                  <a:txBody>
-                    <a:bodyPr/>
-                    <a:lstStyle/>
-                    <a:p>
-                      <a:endParaRPr lang="en-US"/>
-                    </a:p>
-                  </a:txBody>
-                  <a:tcPr/>
-                </a:tc>
-                <a:tc>
-                  <a:txBody>
-                    <a:bodyPr/>
-                    <a:lstStyle/>
-                    <a:p>
-                      <a:pPr marL="0" marR="0" algn="ctr">
-                        <a:spcBef>
-                          <a:spcPts val="0"/>
-                        </a:spcBef>
-                        <a:spcAft>
-                          <a:spcPts val="1200"/>
-                        </a:spcAft>
-                      </a:pPr>
-                      <a:r>
-                        <a:rPr lang="en-US" sz="1800" dirty="0">
-                          <a:effectLst/>
-                          <a:latin typeface="Times New Roman" panose="02020603050405020304" pitchFamily="18" charset="0"/>
-                          <a:cs typeface="Times New Roman" panose="02020603050405020304" pitchFamily="18" charset="0"/>
-                        </a:rPr>
-                        <a:t>Special needs adaptability</a:t>
-                      </a:r>
-                      <a:endParaRPr lang="en-US" sz="1800" dirty="0">
-                        <a:effectLst/>
-                        <a:latin typeface="Times New Roman" panose="02020603050405020304" pitchFamily="18" charset="0"/>
-                        <a:ea typeface="Times New Roman" panose="02020603050405020304" pitchFamily="18" charset="0"/>
-                        <a:cs typeface="Times New Roman" panose="02020603050405020304" pitchFamily="18" charset="0"/>
-                      </a:endParaRPr>
-                    </a:p>
-                  </a:txBody>
-                  <a:tcPr marL="68580" marR="68580" marT="0" marB="0" anchor="ctr"/>
-                </a:tc>
-                <a:tc vMerge="1">
-                  <a:txBody>
-                    <a:bodyPr/>
-                    <a:lstStyle/>
-                    <a:p>
-                      <a:pPr marL="0" marR="0" algn="ctr">
-                        <a:spcBef>
-                          <a:spcPts val="0"/>
-                        </a:spcBef>
-                        <a:spcAft>
-                          <a:spcPts val="1200"/>
-                        </a:spcAft>
-                      </a:pPr>
-                      <a:endParaRPr lang="en-US" sz="1200" dirty="0">
-                        <a:effectLst/>
-                        <a:latin typeface="Times New Roman" panose="02020603050405020304" pitchFamily="18" charset="0"/>
-                        <a:ea typeface="Times New Roman" panose="02020603050405020304" pitchFamily="18" charset="0"/>
-                        <a:cs typeface="Times New Roman" panose="02020603050405020304" pitchFamily="18" charset="0"/>
-                      </a:endParaRPr>
-                    </a:p>
-                  </a:txBody>
-                  <a:tcPr marL="68580" marR="68580" marT="0" marB="0"/>
-                </a:tc>
-                <a:tc vMerge="1">
-                  <a:txBody>
-                    <a:bodyPr/>
-                    <a:lstStyle/>
-                    <a:p>
-                      <a:pPr marL="0" marR="0" algn="ctr">
-                        <a:spcBef>
-                          <a:spcPts val="0"/>
-                        </a:spcBef>
-                        <a:spcAft>
-                          <a:spcPts val="1200"/>
-                        </a:spcAft>
-                      </a:pPr>
-                      <a:endParaRPr lang="en-US" sz="1200" dirty="0">
-                        <a:effectLst/>
-                        <a:latin typeface="Times New Roman" panose="02020603050405020304" pitchFamily="18" charset="0"/>
-                        <a:ea typeface="Times New Roman" panose="02020603050405020304" pitchFamily="18" charset="0"/>
-                        <a:cs typeface="Times New Roman" panose="02020603050405020304" pitchFamily="18" charset="0"/>
-                      </a:endParaRPr>
-                    </a:p>
-                  </a:txBody>
-                  <a:tcPr marL="68580" marR="68580" marT="0" marB="0"/>
-                </a:tc>
-                <a:extLst>
-                  <a:ext uri="{0D108BD9-81ED-4DB2-BD59-A6C34878D82A}">
-                    <a16:rowId xmlns:a16="http://schemas.microsoft.com/office/drawing/2014/main" val="3188764998"/>
-                  </a:ext>
-                </a:extLst>
-              </a:tr>
-              <a:tr h="388038">
-                <a:tc vMerge="1">
-                  <a:txBody>
-                    <a:bodyPr/>
-                    <a:lstStyle/>
-                    <a:p>
-                      <a:endParaRPr lang="en-US"/>
-                    </a:p>
-                  </a:txBody>
-                  <a:tcPr/>
-                </a:tc>
-                <a:tc vMerge="1">
-                  <a:txBody>
-                    <a:bodyPr/>
-                    <a:lstStyle/>
-                    <a:p>
-                      <a:endParaRPr lang="en-US"/>
-                    </a:p>
-                  </a:txBody>
-                  <a:tcPr/>
-                </a:tc>
-                <a:tc vMerge="1">
-                  <a:txBody>
-                    <a:bodyPr/>
-                    <a:lstStyle/>
-                    <a:p>
-                      <a:endParaRPr lang="en-US"/>
-                    </a:p>
-                  </a:txBody>
-                  <a:tcPr/>
-                </a:tc>
-                <a:tc>
-                  <a:txBody>
-                    <a:bodyPr/>
-                    <a:lstStyle/>
-                    <a:p>
-                      <a:pPr marL="0" marR="0" algn="ctr">
-                        <a:spcBef>
-                          <a:spcPts val="0"/>
-                        </a:spcBef>
-                        <a:spcAft>
-                          <a:spcPts val="1200"/>
-                        </a:spcAft>
-                      </a:pPr>
-                      <a:r>
-                        <a:rPr lang="en-US" sz="1800" dirty="0">
-                          <a:effectLst/>
-                          <a:latin typeface="Times New Roman" panose="02020603050405020304" pitchFamily="18" charset="0"/>
-                          <a:cs typeface="Times New Roman" panose="02020603050405020304" pitchFamily="18" charset="0"/>
-                        </a:rPr>
-                        <a:t>Learning opportunities</a:t>
-                      </a:r>
-                      <a:endParaRPr lang="en-US" sz="1800" dirty="0">
-                        <a:effectLst/>
-                        <a:latin typeface="Times New Roman" panose="02020603050405020304" pitchFamily="18" charset="0"/>
-                        <a:ea typeface="Times New Roman" panose="02020603050405020304" pitchFamily="18" charset="0"/>
-                        <a:cs typeface="Times New Roman" panose="02020603050405020304" pitchFamily="18" charset="0"/>
-                      </a:endParaRPr>
-                    </a:p>
-                  </a:txBody>
-                  <a:tcPr marL="68580" marR="68580" marT="0" marB="0" anchor="ctr"/>
-                </a:tc>
-                <a:tc vMerge="1">
-                  <a:txBody>
-                    <a:bodyPr/>
-                    <a:lstStyle/>
-                    <a:p>
-                      <a:pPr marL="0" marR="0" algn="ctr">
-                        <a:spcBef>
-                          <a:spcPts val="0"/>
-                        </a:spcBef>
-                        <a:spcAft>
-                          <a:spcPts val="1200"/>
-                        </a:spcAft>
-                      </a:pPr>
-                      <a:endParaRPr lang="en-US" sz="1200" dirty="0">
-                        <a:effectLst/>
-                        <a:latin typeface="Times New Roman" panose="02020603050405020304" pitchFamily="18" charset="0"/>
-                        <a:ea typeface="Times New Roman" panose="02020603050405020304" pitchFamily="18" charset="0"/>
-                        <a:cs typeface="Times New Roman" panose="02020603050405020304" pitchFamily="18" charset="0"/>
-                      </a:endParaRPr>
-                    </a:p>
-                  </a:txBody>
-                  <a:tcPr marL="68580" marR="68580" marT="0" marB="0"/>
-                </a:tc>
-                <a:tc vMerge="1">
-                  <a:txBody>
-                    <a:bodyPr/>
-                    <a:lstStyle/>
-                    <a:p>
-                      <a:pPr marL="0" marR="0" algn="ctr">
-                        <a:spcBef>
-                          <a:spcPts val="0"/>
-                        </a:spcBef>
-                        <a:spcAft>
-                          <a:spcPts val="1200"/>
-                        </a:spcAft>
-                      </a:pPr>
-                      <a:endParaRPr lang="en-US" sz="1200" dirty="0">
-                        <a:effectLst/>
-                        <a:latin typeface="Times New Roman" panose="02020603050405020304" pitchFamily="18" charset="0"/>
-                        <a:ea typeface="Times New Roman" panose="02020603050405020304" pitchFamily="18" charset="0"/>
-                        <a:cs typeface="Times New Roman" panose="02020603050405020304" pitchFamily="18" charset="0"/>
-                      </a:endParaRPr>
-                    </a:p>
-                  </a:txBody>
-                  <a:tcPr marL="68580" marR="68580" marT="0" marB="0"/>
-                </a:tc>
-                <a:extLst>
-                  <a:ext uri="{0D108BD9-81ED-4DB2-BD59-A6C34878D82A}">
-                    <a16:rowId xmlns:a16="http://schemas.microsoft.com/office/drawing/2014/main" val="1267695427"/>
-                  </a:ext>
-                </a:extLst>
-              </a:tr>
-              <a:tr h="388038">
-                <a:tc vMerge="1">
-                  <a:txBody>
-                    <a:bodyPr/>
-                    <a:lstStyle/>
-                    <a:p>
-                      <a:endParaRPr lang="en-US"/>
-                    </a:p>
-                  </a:txBody>
-                  <a:tcPr/>
-                </a:tc>
-                <a:tc vMerge="1">
-                  <a:txBody>
-                    <a:bodyPr/>
-                    <a:lstStyle/>
-                    <a:p>
-                      <a:endParaRPr lang="en-US"/>
-                    </a:p>
-                  </a:txBody>
-                  <a:tcPr/>
-                </a:tc>
-                <a:tc vMerge="1">
-                  <a:txBody>
-                    <a:bodyPr/>
-                    <a:lstStyle/>
-                    <a:p>
-                      <a:endParaRPr lang="en-US"/>
-                    </a:p>
-                  </a:txBody>
-                  <a:tcPr/>
-                </a:tc>
-                <a:tc>
-                  <a:txBody>
-                    <a:bodyPr/>
-                    <a:lstStyle/>
-                    <a:p>
-                      <a:pPr marL="0" marR="0" algn="ctr">
-                        <a:spcBef>
-                          <a:spcPts val="0"/>
-                        </a:spcBef>
-                        <a:spcAft>
-                          <a:spcPts val="1200"/>
-                        </a:spcAft>
-                      </a:pPr>
-                      <a:r>
-                        <a:rPr lang="en-US" sz="1800" dirty="0">
-                          <a:effectLst/>
-                          <a:latin typeface="Times New Roman" panose="02020603050405020304" pitchFamily="18" charset="0"/>
-                          <a:cs typeface="Times New Roman" panose="02020603050405020304" pitchFamily="18" charset="0"/>
-                        </a:rPr>
-                        <a:t>Various educational opportunities</a:t>
-                      </a:r>
-                      <a:endParaRPr lang="en-US" sz="1800" dirty="0">
-                        <a:effectLst/>
-                        <a:latin typeface="Times New Roman" panose="02020603050405020304" pitchFamily="18" charset="0"/>
-                        <a:ea typeface="Times New Roman" panose="02020603050405020304" pitchFamily="18" charset="0"/>
-                        <a:cs typeface="Times New Roman" panose="02020603050405020304" pitchFamily="18" charset="0"/>
-                      </a:endParaRPr>
-                    </a:p>
-                  </a:txBody>
-                  <a:tcPr marL="68580" marR="68580" marT="0" marB="0" anchor="ctr"/>
-                </a:tc>
-                <a:tc vMerge="1">
-                  <a:txBody>
-                    <a:bodyPr/>
-                    <a:lstStyle/>
-                    <a:p>
-                      <a:pPr marL="0" marR="0" algn="ctr">
-                        <a:spcBef>
-                          <a:spcPts val="0"/>
-                        </a:spcBef>
-                        <a:spcAft>
-                          <a:spcPts val="1200"/>
-                        </a:spcAft>
-                      </a:pPr>
-                      <a:endParaRPr lang="en-US" sz="1200" dirty="0">
-                        <a:effectLst/>
-                        <a:latin typeface="Times New Roman" panose="02020603050405020304" pitchFamily="18" charset="0"/>
-                        <a:ea typeface="Times New Roman" panose="02020603050405020304" pitchFamily="18" charset="0"/>
-                        <a:cs typeface="Times New Roman" panose="02020603050405020304" pitchFamily="18" charset="0"/>
-                      </a:endParaRPr>
-                    </a:p>
-                  </a:txBody>
-                  <a:tcPr marL="68580" marR="68580" marT="0" marB="0"/>
-                </a:tc>
-                <a:tc vMerge="1">
-                  <a:txBody>
-                    <a:bodyPr/>
-                    <a:lstStyle/>
-                    <a:p>
-                      <a:pPr marL="0" marR="0" algn="ctr">
-                        <a:spcBef>
-                          <a:spcPts val="0"/>
-                        </a:spcBef>
-                        <a:spcAft>
-                          <a:spcPts val="1200"/>
-                        </a:spcAft>
-                      </a:pPr>
-                      <a:endParaRPr lang="en-US" sz="1200" dirty="0">
-                        <a:effectLst/>
-                        <a:latin typeface="Times New Roman" panose="02020603050405020304" pitchFamily="18" charset="0"/>
-                        <a:ea typeface="Times New Roman" panose="02020603050405020304" pitchFamily="18" charset="0"/>
-                        <a:cs typeface="Times New Roman" panose="02020603050405020304" pitchFamily="18" charset="0"/>
-                      </a:endParaRPr>
-                    </a:p>
-                  </a:txBody>
-                  <a:tcPr marL="68580" marR="68580" marT="0" marB="0"/>
-                </a:tc>
-                <a:extLst>
-                  <a:ext uri="{0D108BD9-81ED-4DB2-BD59-A6C34878D82A}">
-                    <a16:rowId xmlns:a16="http://schemas.microsoft.com/office/drawing/2014/main" val="1515937901"/>
-                  </a:ext>
-                </a:extLst>
-              </a:tr>
-              <a:tr h="388038">
-                <a:tc rowSpan="6">
-                  <a:txBody>
-                    <a:bodyPr/>
-                    <a:lstStyle/>
-                    <a:p>
-                      <a:pPr marL="0" marR="0" lvl="0" indent="0" algn="ctr" defTabSz="914400" rtl="0" eaLnBrk="1" fontAlgn="auto" latinLnBrk="0" hangingPunct="1">
-                        <a:lnSpc>
-                          <a:spcPct val="107000"/>
-                        </a:lnSpc>
-                        <a:spcBef>
-                          <a:spcPts val="0"/>
-                        </a:spcBef>
-                        <a:spcAft>
-                          <a:spcPts val="0"/>
-                        </a:spcAft>
-                        <a:buClrTx/>
-                        <a:buSzTx/>
-                        <a:buFontTx/>
-                        <a:buNone/>
-                        <a:tabLst/>
-                        <a:defRPr/>
-                      </a:pPr>
-                      <a:r>
-                        <a:rPr lang="en-US" sz="1800" kern="1200" dirty="0">
-                          <a:solidFill>
-                            <a:schemeClr val="tx1"/>
-                          </a:solidFill>
-                          <a:effectLst/>
-                          <a:latin typeface="Times New Roman" panose="02020603050405020304" pitchFamily="18" charset="0"/>
-                          <a:ea typeface="+mn-ea"/>
-                          <a:cs typeface="Times New Roman" panose="02020603050405020304" pitchFamily="18" charset="0"/>
-                        </a:rPr>
-                        <a:t>British Teacher Evaluation Education Media Organization </a:t>
-                      </a:r>
-                    </a:p>
-                  </a:txBody>
-                  <a:tcPr marL="68580" marR="68580" marT="0" marB="0" anchor="ctr"/>
-                </a:tc>
-                <a:tc rowSpan="6">
-                  <a:txBody>
-                    <a:bodyPr/>
-                    <a:lstStyle/>
-                    <a:p>
-                      <a:pPr marL="0" marR="0" lvl="0" indent="0" algn="ctr" defTabSz="914400" rtl="0" eaLnBrk="1" fontAlgn="auto" latinLnBrk="0" hangingPunct="1">
-                        <a:lnSpc>
-                          <a:spcPct val="107000"/>
-                        </a:lnSpc>
-                        <a:spcBef>
-                          <a:spcPts val="0"/>
-                        </a:spcBef>
-                        <a:spcAft>
-                          <a:spcPts val="0"/>
-                        </a:spcAft>
-                        <a:buClrTx/>
-                        <a:buSzTx/>
-                        <a:buFontTx/>
-                        <a:buNone/>
-                        <a:tabLst/>
-                        <a:defRPr/>
-                      </a:pPr>
-                      <a:r>
-                        <a:rPr lang="en-US" sz="1800" kern="1200" dirty="0">
-                          <a:solidFill>
-                            <a:schemeClr val="tx1"/>
-                          </a:solidFill>
-                          <a:effectLst/>
-                          <a:latin typeface="Times New Roman" panose="02020603050405020304" pitchFamily="18" charset="0"/>
-                          <a:ea typeface="+mn-ea"/>
-                          <a:cs typeface="Times New Roman" panose="02020603050405020304" pitchFamily="18" charset="0"/>
-                        </a:rPr>
-                        <a:t>TEEM Teacher Evaluation Framework (2002)</a:t>
-                      </a:r>
-                    </a:p>
-                  </a:txBody>
-                  <a:tcPr marL="68580" marR="68580" marT="0" marB="0" anchor="ctr"/>
-                </a:tc>
-                <a:tc rowSpan="6">
-                  <a:txBody>
-                    <a:bodyPr/>
-                    <a:lstStyle/>
-                    <a:p>
-                      <a:pPr marL="0" marR="0" lvl="0" indent="0" algn="ctr" defTabSz="914400" rtl="0" eaLnBrk="1" fontAlgn="auto" latinLnBrk="0" hangingPunct="1">
-                        <a:lnSpc>
-                          <a:spcPct val="107000"/>
-                        </a:lnSpc>
-                        <a:spcBef>
-                          <a:spcPts val="0"/>
-                        </a:spcBef>
-                        <a:spcAft>
-                          <a:spcPts val="0"/>
-                        </a:spcAft>
-                        <a:buClrTx/>
-                        <a:buSzTx/>
-                        <a:buFontTx/>
-                        <a:buNone/>
-                        <a:tabLst/>
-                        <a:defRPr/>
-                      </a:pPr>
-                      <a:r>
-                        <a:rPr lang="en-US" sz="1800" kern="1200" dirty="0">
-                          <a:solidFill>
-                            <a:schemeClr val="tx1"/>
-                          </a:solidFill>
-                          <a:effectLst/>
-                          <a:latin typeface="Times New Roman" panose="02020603050405020304" pitchFamily="18" charset="0"/>
-                          <a:ea typeface="+mn-ea"/>
-                          <a:cs typeface="Times New Roman" panose="02020603050405020304" pitchFamily="18" charset="0"/>
-                        </a:rPr>
-                        <a:t>6D</a:t>
-                      </a:r>
-                    </a:p>
-                  </a:txBody>
-                  <a:tcPr marL="68580" marR="68580" marT="0" marB="0" anchor="ctr"/>
-                </a:tc>
-                <a:tc>
-                  <a:txBody>
-                    <a:bodyPr/>
-                    <a:lstStyle/>
-                    <a:p>
-                      <a:pPr marL="0" marR="0" lvl="0" indent="0" algn="ctr" defTabSz="914400" rtl="0" eaLnBrk="1" fontAlgn="auto" latinLnBrk="0" hangingPunct="1">
-                        <a:lnSpc>
-                          <a:spcPct val="107000"/>
-                        </a:lnSpc>
-                        <a:spcBef>
-                          <a:spcPts val="0"/>
-                        </a:spcBef>
-                        <a:spcAft>
-                          <a:spcPts val="0"/>
-                        </a:spcAft>
-                        <a:buClrTx/>
-                        <a:buSzTx/>
-                        <a:buFontTx/>
-                        <a:buNone/>
-                        <a:tabLst/>
-                        <a:defRPr/>
-                      </a:pPr>
-                      <a:r>
-                        <a:rPr lang="en-US" sz="1800" kern="1200" dirty="0">
-                          <a:solidFill>
-                            <a:schemeClr val="tx1"/>
-                          </a:solidFill>
-                          <a:effectLst/>
-                          <a:latin typeface="Times New Roman" panose="02020603050405020304" pitchFamily="18" charset="0"/>
-                          <a:ea typeface="+mn-ea"/>
-                          <a:cs typeface="Times New Roman" panose="02020603050405020304" pitchFamily="18" charset="0"/>
-                        </a:rPr>
-                        <a:t>Use profile</a:t>
-                      </a:r>
-                    </a:p>
-                  </a:txBody>
-                  <a:tcPr marL="68580" marR="68580" marT="0" marB="0" anchor="ctr"/>
-                </a:tc>
-                <a:tc rowSpan="6">
-                  <a:txBody>
-                    <a:bodyPr/>
-                    <a:lstStyle/>
-                    <a:p>
-                      <a:pPr marL="0" marR="0" lvl="0" indent="0" algn="ctr" defTabSz="914400" rtl="0" eaLnBrk="1" fontAlgn="auto" latinLnBrk="0" hangingPunct="1">
-                        <a:lnSpc>
-                          <a:spcPct val="107000"/>
-                        </a:lnSpc>
-                        <a:spcBef>
-                          <a:spcPts val="0"/>
-                        </a:spcBef>
-                        <a:spcAft>
-                          <a:spcPts val="0"/>
-                        </a:spcAft>
-                        <a:buClrTx/>
-                        <a:buSzTx/>
-                        <a:buFontTx/>
-                        <a:buNone/>
-                        <a:tabLst/>
-                        <a:defRPr/>
-                      </a:pPr>
-                      <a:r>
-                        <a:rPr lang="en-US" sz="1800" kern="1200" dirty="0">
-                          <a:solidFill>
-                            <a:schemeClr val="tx1"/>
-                          </a:solidFill>
-                          <a:effectLst/>
-                          <a:latin typeface="Times New Roman" panose="02020603050405020304" pitchFamily="18" charset="0"/>
-                          <a:ea typeface="+mn-ea"/>
-                          <a:cs typeface="Times New Roman" panose="02020603050405020304" pitchFamily="18" charset="0"/>
-                        </a:rPr>
-                        <a:t>Teachers </a:t>
-                      </a:r>
-                    </a:p>
-                  </a:txBody>
-                  <a:tcPr marL="68580" marR="68580" marT="0" marB="0" anchor="ctr"/>
-                </a:tc>
-                <a:tc rowSpan="6">
-                  <a:txBody>
-                    <a:bodyPr/>
-                    <a:lstStyle/>
-                    <a:p>
-                      <a:pPr marL="0" marR="0" lvl="0" indent="0" algn="just" defTabSz="914400" rtl="0" eaLnBrk="1" fontAlgn="auto" latinLnBrk="0" hangingPunct="1">
-                        <a:lnSpc>
-                          <a:spcPct val="107000"/>
-                        </a:lnSpc>
-                        <a:spcBef>
-                          <a:spcPts val="0"/>
-                        </a:spcBef>
-                        <a:spcAft>
-                          <a:spcPts val="0"/>
-                        </a:spcAft>
-                        <a:buClrTx/>
-                        <a:buSzTx/>
-                        <a:buFontTx/>
-                        <a:buNone/>
-                        <a:tabLst/>
-                        <a:defRPr/>
-                      </a:pPr>
-                      <a:r>
-                        <a:rPr lang="en-US" sz="1800" kern="1200" dirty="0">
-                          <a:solidFill>
-                            <a:schemeClr val="tx1"/>
-                          </a:solidFill>
-                          <a:effectLst/>
-                          <a:latin typeface="Times New Roman" panose="02020603050405020304" pitchFamily="18" charset="0"/>
-                          <a:ea typeface="+mn-ea"/>
-                          <a:cs typeface="Times New Roman" panose="02020603050405020304" pitchFamily="18" charset="0"/>
-                        </a:rPr>
-                        <a:t>The six dimensions altogether set up 37 questions and each question must be answered by complete sentences. Such evaluation is more rigorous and meticulous. In view of its focus on teachers’ teaching application, it belongs to qualitative evaluation</a:t>
-                      </a:r>
-                    </a:p>
-                  </a:txBody>
-                  <a:tcPr marL="68580" marR="68580" marT="0" marB="0" anchor="ctr"/>
-                </a:tc>
-                <a:extLst>
-                  <a:ext uri="{0D108BD9-81ED-4DB2-BD59-A6C34878D82A}">
-                    <a16:rowId xmlns:a16="http://schemas.microsoft.com/office/drawing/2014/main" val="4287505450"/>
-                  </a:ext>
-                </a:extLst>
-              </a:tr>
-              <a:tr h="388038">
-                <a:tc vMerge="1">
-                  <a:txBody>
-                    <a:bodyPr/>
-                    <a:lstStyle/>
-                    <a:p>
-                      <a:pPr marL="0" marR="0" algn="ctr">
-                        <a:lnSpc>
-                          <a:spcPct val="107000"/>
-                        </a:lnSpc>
-                        <a:spcBef>
-                          <a:spcPts val="0"/>
-                        </a:spcBef>
-                        <a:spcAft>
-                          <a:spcPts val="0"/>
-                        </a:spcAft>
-                      </a:pPr>
-                      <a:endParaRPr lang="en-US" sz="1800" dirty="0">
-                        <a:effectLst/>
-                        <a:latin typeface="Times New Roman" panose="02020603050405020304" pitchFamily="18" charset="0"/>
-                        <a:ea typeface="맑은 고딕" panose="020B0503020000020004" pitchFamily="50" charset="-127"/>
-                        <a:cs typeface="Times New Roman" panose="02020603050405020304" pitchFamily="18" charset="0"/>
-                      </a:endParaRPr>
-                    </a:p>
-                  </a:txBody>
-                  <a:tcPr marL="68580" marR="68580" marT="0" marB="0" anchor="ctr"/>
-                </a:tc>
-                <a:tc vMerge="1">
-                  <a:txBody>
-                    <a:bodyPr/>
-                    <a:lstStyle/>
-                    <a:p>
-                      <a:pPr marL="0" marR="0" algn="ctr">
-                        <a:lnSpc>
-                          <a:spcPct val="107000"/>
-                        </a:lnSpc>
-                        <a:spcBef>
-                          <a:spcPts val="0"/>
-                        </a:spcBef>
-                        <a:spcAft>
-                          <a:spcPts val="0"/>
-                        </a:spcAft>
-                      </a:pPr>
-                      <a:endParaRPr lang="en-US" sz="1800" dirty="0">
-                        <a:effectLst/>
-                        <a:latin typeface="Times New Roman" panose="02020603050405020304" pitchFamily="18" charset="0"/>
-                        <a:ea typeface="맑은 고딕" panose="020B0503020000020004" pitchFamily="50" charset="-127"/>
-                        <a:cs typeface="Times New Roman" panose="02020603050405020304" pitchFamily="18" charset="0"/>
-                      </a:endParaRPr>
-                    </a:p>
-                  </a:txBody>
-                  <a:tcPr marL="68580" marR="68580" marT="0" marB="0" anchor="ctr"/>
-                </a:tc>
-                <a:tc vMerge="1">
-                  <a:txBody>
-                    <a:bodyPr/>
-                    <a:lstStyle/>
-                    <a:p>
-                      <a:pPr marL="0" marR="0" algn="ctr">
-                        <a:lnSpc>
-                          <a:spcPct val="107000"/>
-                        </a:lnSpc>
-                        <a:spcBef>
-                          <a:spcPts val="0"/>
-                        </a:spcBef>
-                        <a:spcAft>
-                          <a:spcPts val="0"/>
-                        </a:spcAft>
-                      </a:pPr>
-                      <a:endParaRPr lang="en-US" sz="1800" dirty="0">
-                        <a:effectLst/>
-                        <a:latin typeface="Times New Roman" panose="02020603050405020304" pitchFamily="18" charset="0"/>
-                        <a:ea typeface="맑은 고딕" panose="020B0503020000020004" pitchFamily="50" charset="-127"/>
-                        <a:cs typeface="Times New Roman" panose="02020603050405020304" pitchFamily="18" charset="0"/>
-                      </a:endParaRPr>
-                    </a:p>
-                  </a:txBody>
-                  <a:tcPr marL="68580" marR="68580" marT="0" marB="0" anchor="ctr"/>
-                </a:tc>
-                <a:tc>
-                  <a:txBody>
-                    <a:bodyPr/>
-                    <a:lstStyle/>
-                    <a:p>
-                      <a:pPr marL="0" marR="0" lvl="0" indent="0" algn="ctr" defTabSz="914400" rtl="0" eaLnBrk="1" fontAlgn="auto" latinLnBrk="0" hangingPunct="1">
-                        <a:lnSpc>
-                          <a:spcPct val="107000"/>
-                        </a:lnSpc>
-                        <a:spcBef>
-                          <a:spcPts val="0"/>
-                        </a:spcBef>
-                        <a:spcAft>
-                          <a:spcPts val="0"/>
-                        </a:spcAft>
-                        <a:buClrTx/>
-                        <a:buSzTx/>
-                        <a:buFontTx/>
-                        <a:buNone/>
-                        <a:tabLst/>
-                        <a:defRPr/>
-                      </a:pPr>
-                      <a:r>
-                        <a:rPr lang="en-US" sz="1800" kern="1200" dirty="0">
-                          <a:solidFill>
-                            <a:schemeClr val="tx1"/>
-                          </a:solidFill>
-                          <a:effectLst/>
-                          <a:latin typeface="Times New Roman" panose="02020603050405020304" pitchFamily="18" charset="0"/>
-                          <a:ea typeface="+mn-ea"/>
-                          <a:cs typeface="Times New Roman" panose="02020603050405020304" pitchFamily="18" charset="0"/>
-                        </a:rPr>
-                        <a:t>Course relevance</a:t>
-                      </a:r>
-                    </a:p>
-                  </a:txBody>
-                  <a:tcPr marL="68580" marR="68580" marT="0" marB="0" anchor="ctr"/>
-                </a:tc>
-                <a:tc vMerge="1">
-                  <a:txBody>
-                    <a:bodyPr/>
-                    <a:lstStyle/>
-                    <a:p>
-                      <a:pPr marL="0" marR="0" lvl="0" indent="0" algn="ctr" defTabSz="914400" rtl="0" eaLnBrk="1" fontAlgn="auto" latinLnBrk="0" hangingPunct="1">
-                        <a:lnSpc>
-                          <a:spcPct val="107000"/>
-                        </a:lnSpc>
-                        <a:spcBef>
-                          <a:spcPts val="0"/>
-                        </a:spcBef>
-                        <a:spcAft>
-                          <a:spcPts val="0"/>
-                        </a:spcAft>
-                        <a:buClrTx/>
-                        <a:buSzTx/>
-                        <a:buFontTx/>
-                        <a:buNone/>
-                        <a:tabLst/>
-                        <a:defRPr/>
-                      </a:pPr>
-                      <a:endParaRPr lang="en-US" sz="1800" dirty="0">
-                        <a:effectLst/>
-                        <a:latin typeface="Times New Roman" panose="02020603050405020304" pitchFamily="18" charset="0"/>
-                        <a:cs typeface="Times New Roman" panose="02020603050405020304" pitchFamily="18" charset="0"/>
-                      </a:endParaRPr>
-                    </a:p>
-                  </a:txBody>
-                  <a:tcPr marL="68580" marR="68580" marT="0" marB="0" anchor="ctr"/>
-                </a:tc>
-                <a:tc vMerge="1">
-                  <a:txBody>
-                    <a:bodyPr/>
-                    <a:lstStyle/>
-                    <a:p>
-                      <a:pPr marL="0" marR="0" lvl="0" indent="0" algn="ctr" defTabSz="914400" rtl="0" eaLnBrk="1" fontAlgn="auto" latinLnBrk="0" hangingPunct="1">
-                        <a:lnSpc>
-                          <a:spcPct val="107000"/>
-                        </a:lnSpc>
-                        <a:spcBef>
-                          <a:spcPts val="0"/>
-                        </a:spcBef>
-                        <a:spcAft>
-                          <a:spcPts val="0"/>
-                        </a:spcAft>
-                        <a:buClrTx/>
-                        <a:buSzTx/>
-                        <a:buFontTx/>
-                        <a:buNone/>
-                        <a:tabLst/>
-                        <a:defRPr/>
-                      </a:pPr>
-                      <a:endParaRPr lang="en-US" sz="1800" dirty="0">
-                        <a:effectLst/>
-                        <a:latin typeface="Times New Roman" panose="02020603050405020304" pitchFamily="18" charset="0"/>
-                        <a:cs typeface="Times New Roman" panose="02020603050405020304" pitchFamily="18" charset="0"/>
-                      </a:endParaRPr>
-                    </a:p>
-                  </a:txBody>
-                  <a:tcPr marL="68580" marR="68580" marT="0" marB="0" anchor="ctr"/>
-                </a:tc>
-                <a:extLst>
-                  <a:ext uri="{0D108BD9-81ED-4DB2-BD59-A6C34878D82A}">
-                    <a16:rowId xmlns:a16="http://schemas.microsoft.com/office/drawing/2014/main" val="1101848338"/>
-                  </a:ext>
-                </a:extLst>
-              </a:tr>
-              <a:tr h="388038">
-                <a:tc vMerge="1">
-                  <a:txBody>
-                    <a:bodyPr/>
-                    <a:lstStyle/>
-                    <a:p>
-                      <a:pPr marL="0" marR="0" algn="ctr">
-                        <a:lnSpc>
-                          <a:spcPct val="107000"/>
-                        </a:lnSpc>
-                        <a:spcBef>
-                          <a:spcPts val="0"/>
-                        </a:spcBef>
-                        <a:spcAft>
-                          <a:spcPts val="0"/>
-                        </a:spcAft>
-                      </a:pPr>
-                      <a:endParaRPr lang="en-US" sz="1800" dirty="0">
-                        <a:effectLst/>
-                        <a:latin typeface="Times New Roman" panose="02020603050405020304" pitchFamily="18" charset="0"/>
-                        <a:ea typeface="맑은 고딕" panose="020B0503020000020004" pitchFamily="50" charset="-127"/>
-                        <a:cs typeface="Times New Roman" panose="02020603050405020304" pitchFamily="18" charset="0"/>
-                      </a:endParaRPr>
-                    </a:p>
-                  </a:txBody>
-                  <a:tcPr marL="68580" marR="68580" marT="0" marB="0" anchor="ctr"/>
-                </a:tc>
-                <a:tc vMerge="1">
-                  <a:txBody>
-                    <a:bodyPr/>
-                    <a:lstStyle/>
-                    <a:p>
-                      <a:pPr marL="0" marR="0" algn="ctr">
-                        <a:lnSpc>
-                          <a:spcPct val="107000"/>
-                        </a:lnSpc>
-                        <a:spcBef>
-                          <a:spcPts val="0"/>
-                        </a:spcBef>
-                        <a:spcAft>
-                          <a:spcPts val="0"/>
-                        </a:spcAft>
-                      </a:pPr>
-                      <a:endParaRPr lang="en-US" sz="1800" dirty="0">
-                        <a:effectLst/>
-                        <a:latin typeface="Times New Roman" panose="02020603050405020304" pitchFamily="18" charset="0"/>
-                        <a:ea typeface="맑은 고딕" panose="020B0503020000020004" pitchFamily="50" charset="-127"/>
-                        <a:cs typeface="Times New Roman" panose="02020603050405020304" pitchFamily="18" charset="0"/>
-                      </a:endParaRPr>
-                    </a:p>
-                  </a:txBody>
-                  <a:tcPr marL="68580" marR="68580" marT="0" marB="0" anchor="ctr"/>
-                </a:tc>
-                <a:tc vMerge="1">
-                  <a:txBody>
-                    <a:bodyPr/>
-                    <a:lstStyle/>
-                    <a:p>
-                      <a:pPr marL="0" marR="0" algn="ctr">
-                        <a:lnSpc>
-                          <a:spcPct val="107000"/>
-                        </a:lnSpc>
-                        <a:spcBef>
-                          <a:spcPts val="0"/>
-                        </a:spcBef>
-                        <a:spcAft>
-                          <a:spcPts val="0"/>
-                        </a:spcAft>
-                      </a:pPr>
-                      <a:endParaRPr lang="en-US" sz="1800" dirty="0">
-                        <a:effectLst/>
-                        <a:latin typeface="Times New Roman" panose="02020603050405020304" pitchFamily="18" charset="0"/>
-                        <a:ea typeface="맑은 고딕" panose="020B0503020000020004" pitchFamily="50" charset="-127"/>
-                        <a:cs typeface="Times New Roman" panose="02020603050405020304" pitchFamily="18" charset="0"/>
-                      </a:endParaRPr>
-                    </a:p>
-                  </a:txBody>
-                  <a:tcPr marL="68580" marR="68580" marT="0" marB="0" anchor="ctr"/>
-                </a:tc>
-                <a:tc>
-                  <a:txBody>
-                    <a:bodyPr/>
-                    <a:lstStyle/>
-                    <a:p>
-                      <a:pPr marL="0" marR="0" lvl="0" indent="0" algn="ctr" defTabSz="914400" rtl="0" eaLnBrk="1" fontAlgn="auto" latinLnBrk="0" hangingPunct="1">
-                        <a:lnSpc>
-                          <a:spcPct val="107000"/>
-                        </a:lnSpc>
-                        <a:spcBef>
-                          <a:spcPts val="0"/>
-                        </a:spcBef>
-                        <a:spcAft>
-                          <a:spcPts val="0"/>
-                        </a:spcAft>
-                        <a:buClrTx/>
-                        <a:buSzTx/>
-                        <a:buFontTx/>
-                        <a:buNone/>
-                        <a:tabLst/>
-                        <a:defRPr/>
-                      </a:pPr>
-                      <a:r>
-                        <a:rPr lang="en-US" sz="1800" kern="1200" dirty="0">
-                          <a:solidFill>
-                            <a:schemeClr val="tx1"/>
-                          </a:solidFill>
-                          <a:effectLst/>
-                          <a:latin typeface="Times New Roman" panose="02020603050405020304" pitchFamily="18" charset="0"/>
-                          <a:ea typeface="+mn-ea"/>
-                          <a:cs typeface="Times New Roman" panose="02020603050405020304" pitchFamily="18" charset="0"/>
-                        </a:rPr>
-                        <a:t>Design and navigation</a:t>
-                      </a:r>
-                    </a:p>
-                  </a:txBody>
-                  <a:tcPr marL="68580" marR="68580" marT="0" marB="0" anchor="ctr"/>
-                </a:tc>
-                <a:tc vMerge="1">
-                  <a:txBody>
-                    <a:bodyPr/>
-                    <a:lstStyle/>
-                    <a:p>
-                      <a:pPr marL="0" marR="0" lvl="0" indent="0" algn="ctr" defTabSz="914400" rtl="0" eaLnBrk="1" fontAlgn="auto" latinLnBrk="0" hangingPunct="1">
-                        <a:lnSpc>
-                          <a:spcPct val="107000"/>
-                        </a:lnSpc>
-                        <a:spcBef>
-                          <a:spcPts val="0"/>
-                        </a:spcBef>
-                        <a:spcAft>
-                          <a:spcPts val="0"/>
-                        </a:spcAft>
-                        <a:buClrTx/>
-                        <a:buSzTx/>
-                        <a:buFontTx/>
-                        <a:buNone/>
-                        <a:tabLst/>
-                        <a:defRPr/>
-                      </a:pPr>
-                      <a:endParaRPr lang="en-US" sz="1800" dirty="0">
-                        <a:effectLst/>
-                        <a:latin typeface="Times New Roman" panose="02020603050405020304" pitchFamily="18" charset="0"/>
-                        <a:cs typeface="Times New Roman" panose="02020603050405020304" pitchFamily="18" charset="0"/>
-                      </a:endParaRPr>
-                    </a:p>
-                  </a:txBody>
-                  <a:tcPr marL="68580" marR="68580" marT="0" marB="0" anchor="ctr"/>
-                </a:tc>
-                <a:tc vMerge="1">
-                  <a:txBody>
-                    <a:bodyPr/>
-                    <a:lstStyle/>
-                    <a:p>
-                      <a:pPr marL="0" marR="0" lvl="0" indent="0" algn="ctr" defTabSz="914400" rtl="0" eaLnBrk="1" fontAlgn="auto" latinLnBrk="0" hangingPunct="1">
-                        <a:lnSpc>
-                          <a:spcPct val="107000"/>
-                        </a:lnSpc>
-                        <a:spcBef>
-                          <a:spcPts val="0"/>
-                        </a:spcBef>
-                        <a:spcAft>
-                          <a:spcPts val="0"/>
-                        </a:spcAft>
-                        <a:buClrTx/>
-                        <a:buSzTx/>
-                        <a:buFontTx/>
-                        <a:buNone/>
-                        <a:tabLst/>
-                        <a:defRPr/>
-                      </a:pPr>
-                      <a:endParaRPr lang="en-US" sz="1800" dirty="0">
-                        <a:effectLst/>
-                        <a:latin typeface="Times New Roman" panose="02020603050405020304" pitchFamily="18" charset="0"/>
-                        <a:cs typeface="Times New Roman" panose="02020603050405020304" pitchFamily="18" charset="0"/>
-                      </a:endParaRPr>
-                    </a:p>
-                  </a:txBody>
-                  <a:tcPr marL="68580" marR="68580" marT="0" marB="0" anchor="ctr"/>
-                </a:tc>
-                <a:extLst>
-                  <a:ext uri="{0D108BD9-81ED-4DB2-BD59-A6C34878D82A}">
-                    <a16:rowId xmlns:a16="http://schemas.microsoft.com/office/drawing/2014/main" val="2222031645"/>
-                  </a:ext>
-                </a:extLst>
-              </a:tr>
-              <a:tr h="388038">
-                <a:tc vMerge="1">
-                  <a:txBody>
-                    <a:bodyPr/>
-                    <a:lstStyle/>
-                    <a:p>
-                      <a:pPr marL="0" marR="0" algn="ctr">
-                        <a:lnSpc>
-                          <a:spcPct val="107000"/>
-                        </a:lnSpc>
-                        <a:spcBef>
-                          <a:spcPts val="0"/>
-                        </a:spcBef>
-                        <a:spcAft>
-                          <a:spcPts val="0"/>
-                        </a:spcAft>
-                      </a:pPr>
-                      <a:endParaRPr lang="en-US" sz="1800" dirty="0">
-                        <a:effectLst/>
-                        <a:latin typeface="Times New Roman" panose="02020603050405020304" pitchFamily="18" charset="0"/>
-                        <a:ea typeface="맑은 고딕" panose="020B0503020000020004" pitchFamily="50" charset="-127"/>
-                        <a:cs typeface="Times New Roman" panose="02020603050405020304" pitchFamily="18" charset="0"/>
-                      </a:endParaRPr>
-                    </a:p>
-                  </a:txBody>
-                  <a:tcPr marL="68580" marR="68580" marT="0" marB="0" anchor="ctr"/>
-                </a:tc>
-                <a:tc vMerge="1">
-                  <a:txBody>
-                    <a:bodyPr/>
-                    <a:lstStyle/>
-                    <a:p>
-                      <a:pPr marL="0" marR="0" algn="ctr">
-                        <a:lnSpc>
-                          <a:spcPct val="107000"/>
-                        </a:lnSpc>
-                        <a:spcBef>
-                          <a:spcPts val="0"/>
-                        </a:spcBef>
-                        <a:spcAft>
-                          <a:spcPts val="0"/>
-                        </a:spcAft>
-                      </a:pPr>
-                      <a:endParaRPr lang="en-US" sz="1800" dirty="0">
-                        <a:effectLst/>
-                        <a:latin typeface="Times New Roman" panose="02020603050405020304" pitchFamily="18" charset="0"/>
-                        <a:ea typeface="맑은 고딕" panose="020B0503020000020004" pitchFamily="50" charset="-127"/>
-                        <a:cs typeface="Times New Roman" panose="02020603050405020304" pitchFamily="18" charset="0"/>
-                      </a:endParaRPr>
-                    </a:p>
-                  </a:txBody>
-                  <a:tcPr marL="68580" marR="68580" marT="0" marB="0" anchor="ctr"/>
-                </a:tc>
-                <a:tc vMerge="1">
-                  <a:txBody>
-                    <a:bodyPr/>
-                    <a:lstStyle/>
-                    <a:p>
-                      <a:pPr marL="0" marR="0" algn="ctr">
-                        <a:lnSpc>
-                          <a:spcPct val="107000"/>
-                        </a:lnSpc>
-                        <a:spcBef>
-                          <a:spcPts val="0"/>
-                        </a:spcBef>
-                        <a:spcAft>
-                          <a:spcPts val="0"/>
-                        </a:spcAft>
-                      </a:pPr>
-                      <a:endParaRPr lang="en-US" sz="1800" dirty="0">
-                        <a:effectLst/>
-                        <a:latin typeface="Times New Roman" panose="02020603050405020304" pitchFamily="18" charset="0"/>
-                        <a:ea typeface="맑은 고딕" panose="020B0503020000020004" pitchFamily="50" charset="-127"/>
-                        <a:cs typeface="Times New Roman" panose="02020603050405020304" pitchFamily="18" charset="0"/>
-                      </a:endParaRPr>
-                    </a:p>
-                  </a:txBody>
-                  <a:tcPr marL="68580" marR="68580" marT="0" marB="0" anchor="ctr"/>
-                </a:tc>
-                <a:tc>
-                  <a:txBody>
-                    <a:bodyPr/>
-                    <a:lstStyle/>
-                    <a:p>
-                      <a:pPr marL="0" marR="0" lvl="0" indent="0" algn="ctr" defTabSz="914400" rtl="0" eaLnBrk="1" fontAlgn="auto" latinLnBrk="0" hangingPunct="1">
-                        <a:lnSpc>
-                          <a:spcPct val="107000"/>
-                        </a:lnSpc>
-                        <a:spcBef>
-                          <a:spcPts val="0"/>
-                        </a:spcBef>
-                        <a:spcAft>
-                          <a:spcPts val="0"/>
-                        </a:spcAft>
-                        <a:buClrTx/>
-                        <a:buSzTx/>
-                        <a:buFontTx/>
-                        <a:buNone/>
-                        <a:tabLst/>
-                        <a:defRPr/>
-                      </a:pPr>
-                      <a:r>
-                        <a:rPr lang="en-US" sz="1800" kern="1200" dirty="0">
-                          <a:solidFill>
-                            <a:schemeClr val="tx1"/>
-                          </a:solidFill>
-                          <a:effectLst/>
-                          <a:latin typeface="Times New Roman" panose="02020603050405020304" pitchFamily="18" charset="0"/>
-                          <a:ea typeface="+mn-ea"/>
-                          <a:cs typeface="Times New Roman" panose="02020603050405020304" pitchFamily="18" charset="0"/>
-                        </a:rPr>
-                        <a:t>Ease of use</a:t>
-                      </a:r>
-                    </a:p>
-                  </a:txBody>
-                  <a:tcPr marL="68580" marR="68580" marT="0" marB="0" anchor="ctr"/>
-                </a:tc>
-                <a:tc vMerge="1">
-                  <a:txBody>
-                    <a:bodyPr/>
-                    <a:lstStyle/>
-                    <a:p>
-                      <a:pPr marL="0" marR="0" lvl="0" indent="0" algn="ctr" defTabSz="914400" rtl="0" eaLnBrk="1" fontAlgn="auto" latinLnBrk="0" hangingPunct="1">
-                        <a:lnSpc>
-                          <a:spcPct val="107000"/>
-                        </a:lnSpc>
-                        <a:spcBef>
-                          <a:spcPts val="0"/>
-                        </a:spcBef>
-                        <a:spcAft>
-                          <a:spcPts val="0"/>
-                        </a:spcAft>
-                        <a:buClrTx/>
-                        <a:buSzTx/>
-                        <a:buFontTx/>
-                        <a:buNone/>
-                        <a:tabLst/>
-                        <a:defRPr/>
-                      </a:pPr>
-                      <a:endParaRPr lang="en-US" sz="1800" dirty="0">
-                        <a:effectLst/>
-                        <a:latin typeface="Times New Roman" panose="02020603050405020304" pitchFamily="18" charset="0"/>
-                        <a:cs typeface="Times New Roman" panose="02020603050405020304" pitchFamily="18" charset="0"/>
-                      </a:endParaRPr>
-                    </a:p>
-                  </a:txBody>
-                  <a:tcPr marL="68580" marR="68580" marT="0" marB="0" anchor="ctr"/>
-                </a:tc>
-                <a:tc vMerge="1">
-                  <a:txBody>
-                    <a:bodyPr/>
-                    <a:lstStyle/>
-                    <a:p>
-                      <a:pPr marL="0" marR="0" lvl="0" indent="0" algn="ctr" defTabSz="914400" rtl="0" eaLnBrk="1" fontAlgn="auto" latinLnBrk="0" hangingPunct="1">
-                        <a:lnSpc>
-                          <a:spcPct val="107000"/>
-                        </a:lnSpc>
-                        <a:spcBef>
-                          <a:spcPts val="0"/>
-                        </a:spcBef>
-                        <a:spcAft>
-                          <a:spcPts val="0"/>
-                        </a:spcAft>
-                        <a:buClrTx/>
-                        <a:buSzTx/>
-                        <a:buFontTx/>
-                        <a:buNone/>
-                        <a:tabLst/>
-                        <a:defRPr/>
-                      </a:pPr>
-                      <a:endParaRPr lang="en-US" sz="1800" dirty="0">
-                        <a:effectLst/>
-                        <a:latin typeface="Times New Roman" panose="02020603050405020304" pitchFamily="18" charset="0"/>
-                        <a:cs typeface="Times New Roman" panose="02020603050405020304" pitchFamily="18" charset="0"/>
-                      </a:endParaRPr>
-                    </a:p>
-                  </a:txBody>
-                  <a:tcPr marL="68580" marR="68580" marT="0" marB="0" anchor="ctr"/>
-                </a:tc>
-                <a:extLst>
-                  <a:ext uri="{0D108BD9-81ED-4DB2-BD59-A6C34878D82A}">
-                    <a16:rowId xmlns:a16="http://schemas.microsoft.com/office/drawing/2014/main" val="1880694230"/>
-                  </a:ext>
-                </a:extLst>
-              </a:tr>
-              <a:tr h="388038">
-                <a:tc vMerge="1">
-                  <a:txBody>
-                    <a:bodyPr/>
-                    <a:lstStyle/>
-                    <a:p>
-                      <a:pPr marL="0" marR="0" algn="ctr">
-                        <a:lnSpc>
-                          <a:spcPct val="107000"/>
-                        </a:lnSpc>
-                        <a:spcBef>
-                          <a:spcPts val="0"/>
-                        </a:spcBef>
-                        <a:spcAft>
-                          <a:spcPts val="0"/>
-                        </a:spcAft>
-                      </a:pPr>
-                      <a:endParaRPr lang="en-US" sz="1800" dirty="0">
-                        <a:effectLst/>
-                        <a:latin typeface="Times New Roman" panose="02020603050405020304" pitchFamily="18" charset="0"/>
-                        <a:ea typeface="맑은 고딕" panose="020B0503020000020004" pitchFamily="50" charset="-127"/>
-                        <a:cs typeface="Times New Roman" panose="02020603050405020304" pitchFamily="18" charset="0"/>
-                      </a:endParaRPr>
-                    </a:p>
-                  </a:txBody>
-                  <a:tcPr marL="68580" marR="68580" marT="0" marB="0" anchor="ctr"/>
-                </a:tc>
-                <a:tc vMerge="1">
-                  <a:txBody>
-                    <a:bodyPr/>
-                    <a:lstStyle/>
-                    <a:p>
-                      <a:pPr marL="0" marR="0" algn="ctr">
-                        <a:lnSpc>
-                          <a:spcPct val="107000"/>
-                        </a:lnSpc>
-                        <a:spcBef>
-                          <a:spcPts val="0"/>
-                        </a:spcBef>
-                        <a:spcAft>
-                          <a:spcPts val="0"/>
-                        </a:spcAft>
-                      </a:pPr>
-                      <a:endParaRPr lang="en-US" sz="1800" dirty="0">
-                        <a:effectLst/>
-                        <a:latin typeface="Times New Roman" panose="02020603050405020304" pitchFamily="18" charset="0"/>
-                        <a:ea typeface="맑은 고딕" panose="020B0503020000020004" pitchFamily="50" charset="-127"/>
-                        <a:cs typeface="Times New Roman" panose="02020603050405020304" pitchFamily="18" charset="0"/>
-                      </a:endParaRPr>
-                    </a:p>
-                  </a:txBody>
-                  <a:tcPr marL="68580" marR="68580" marT="0" marB="0" anchor="ctr"/>
-                </a:tc>
-                <a:tc vMerge="1">
-                  <a:txBody>
-                    <a:bodyPr/>
-                    <a:lstStyle/>
-                    <a:p>
-                      <a:pPr marL="0" marR="0" algn="ctr">
-                        <a:lnSpc>
-                          <a:spcPct val="107000"/>
-                        </a:lnSpc>
-                        <a:spcBef>
-                          <a:spcPts val="0"/>
-                        </a:spcBef>
-                        <a:spcAft>
-                          <a:spcPts val="0"/>
-                        </a:spcAft>
-                      </a:pPr>
-                      <a:endParaRPr lang="en-US" sz="1800" dirty="0">
-                        <a:effectLst/>
-                        <a:latin typeface="Times New Roman" panose="02020603050405020304" pitchFamily="18" charset="0"/>
-                        <a:ea typeface="맑은 고딕" panose="020B0503020000020004" pitchFamily="50" charset="-127"/>
-                        <a:cs typeface="Times New Roman" panose="02020603050405020304" pitchFamily="18" charset="0"/>
-                      </a:endParaRPr>
-                    </a:p>
-                  </a:txBody>
-                  <a:tcPr marL="68580" marR="68580" marT="0" marB="0" anchor="ctr"/>
-                </a:tc>
-                <a:tc>
-                  <a:txBody>
-                    <a:bodyPr/>
-                    <a:lstStyle/>
-                    <a:p>
-                      <a:pPr marL="0" marR="0" lvl="0" indent="0" algn="ctr" defTabSz="914400" rtl="0" eaLnBrk="1" fontAlgn="auto" latinLnBrk="0" hangingPunct="1">
-                        <a:lnSpc>
-                          <a:spcPct val="107000"/>
-                        </a:lnSpc>
-                        <a:spcBef>
-                          <a:spcPts val="0"/>
-                        </a:spcBef>
-                        <a:spcAft>
-                          <a:spcPts val="0"/>
-                        </a:spcAft>
-                        <a:buClrTx/>
-                        <a:buSzTx/>
-                        <a:buFontTx/>
-                        <a:buNone/>
-                        <a:tabLst/>
-                        <a:defRPr/>
-                      </a:pPr>
-                      <a:r>
-                        <a:rPr lang="en-US" sz="1800" kern="1200" dirty="0">
-                          <a:solidFill>
-                            <a:schemeClr val="tx1"/>
-                          </a:solidFill>
-                          <a:effectLst/>
-                          <a:latin typeface="Times New Roman" panose="02020603050405020304" pitchFamily="18" charset="0"/>
-                          <a:ea typeface="+mn-ea"/>
-                          <a:cs typeface="Times New Roman" panose="02020603050405020304" pitchFamily="18" charset="0"/>
-                        </a:rPr>
-                        <a:t>Recreational</a:t>
-                      </a:r>
-                    </a:p>
-                  </a:txBody>
-                  <a:tcPr marL="68580" marR="68580" marT="0" marB="0" anchor="ctr"/>
-                </a:tc>
-                <a:tc vMerge="1">
-                  <a:txBody>
-                    <a:bodyPr/>
-                    <a:lstStyle/>
-                    <a:p>
-                      <a:pPr marL="0" marR="0" lvl="0" indent="0" algn="ctr" defTabSz="914400" rtl="0" eaLnBrk="1" fontAlgn="auto" latinLnBrk="0" hangingPunct="1">
-                        <a:lnSpc>
-                          <a:spcPct val="107000"/>
-                        </a:lnSpc>
-                        <a:spcBef>
-                          <a:spcPts val="0"/>
-                        </a:spcBef>
-                        <a:spcAft>
-                          <a:spcPts val="0"/>
-                        </a:spcAft>
-                        <a:buClrTx/>
-                        <a:buSzTx/>
-                        <a:buFontTx/>
-                        <a:buNone/>
-                        <a:tabLst/>
-                        <a:defRPr/>
-                      </a:pPr>
-                      <a:endParaRPr lang="en-US" sz="1800" dirty="0">
-                        <a:effectLst/>
-                        <a:latin typeface="Times New Roman" panose="02020603050405020304" pitchFamily="18" charset="0"/>
-                        <a:cs typeface="Times New Roman" panose="02020603050405020304" pitchFamily="18" charset="0"/>
-                      </a:endParaRPr>
-                    </a:p>
-                  </a:txBody>
-                  <a:tcPr marL="68580" marR="68580" marT="0" marB="0" anchor="ctr"/>
-                </a:tc>
-                <a:tc vMerge="1">
-                  <a:txBody>
-                    <a:bodyPr/>
-                    <a:lstStyle/>
-                    <a:p>
-                      <a:pPr marL="0" marR="0" lvl="0" indent="0" algn="ctr" defTabSz="914400" rtl="0" eaLnBrk="1" fontAlgn="auto" latinLnBrk="0" hangingPunct="1">
-                        <a:lnSpc>
-                          <a:spcPct val="107000"/>
-                        </a:lnSpc>
-                        <a:spcBef>
-                          <a:spcPts val="0"/>
-                        </a:spcBef>
-                        <a:spcAft>
-                          <a:spcPts val="0"/>
-                        </a:spcAft>
-                        <a:buClrTx/>
-                        <a:buSzTx/>
-                        <a:buFontTx/>
-                        <a:buNone/>
-                        <a:tabLst/>
-                        <a:defRPr/>
-                      </a:pPr>
-                      <a:endParaRPr lang="en-US" sz="1800" dirty="0">
-                        <a:effectLst/>
-                        <a:latin typeface="Times New Roman" panose="02020603050405020304" pitchFamily="18" charset="0"/>
-                        <a:cs typeface="Times New Roman" panose="02020603050405020304" pitchFamily="18" charset="0"/>
-                      </a:endParaRPr>
-                    </a:p>
-                  </a:txBody>
-                  <a:tcPr marL="68580" marR="68580" marT="0" marB="0" anchor="ctr"/>
-                </a:tc>
-                <a:extLst>
-                  <a:ext uri="{0D108BD9-81ED-4DB2-BD59-A6C34878D82A}">
-                    <a16:rowId xmlns:a16="http://schemas.microsoft.com/office/drawing/2014/main" val="2194076708"/>
-                  </a:ext>
-                </a:extLst>
-              </a:tr>
-              <a:tr h="388038">
-                <a:tc vMerge="1">
-                  <a:txBody>
-                    <a:bodyPr/>
-                    <a:lstStyle/>
-                    <a:p>
-                      <a:pPr marL="0" marR="0" algn="ctr">
-                        <a:lnSpc>
-                          <a:spcPct val="107000"/>
-                        </a:lnSpc>
-                        <a:spcBef>
-                          <a:spcPts val="0"/>
-                        </a:spcBef>
-                        <a:spcAft>
-                          <a:spcPts val="0"/>
-                        </a:spcAft>
-                      </a:pPr>
-                      <a:endParaRPr lang="en-US" sz="1800" dirty="0">
-                        <a:effectLst/>
-                        <a:latin typeface="Times New Roman" panose="02020603050405020304" pitchFamily="18" charset="0"/>
-                        <a:ea typeface="맑은 고딕" panose="020B0503020000020004" pitchFamily="50" charset="-127"/>
-                        <a:cs typeface="Times New Roman" panose="02020603050405020304" pitchFamily="18" charset="0"/>
-                      </a:endParaRPr>
-                    </a:p>
-                  </a:txBody>
-                  <a:tcPr marL="68580" marR="68580" marT="0" marB="0" anchor="ctr"/>
-                </a:tc>
-                <a:tc vMerge="1">
-                  <a:txBody>
-                    <a:bodyPr/>
-                    <a:lstStyle/>
-                    <a:p>
-                      <a:pPr marL="0" marR="0" algn="ctr">
-                        <a:lnSpc>
-                          <a:spcPct val="107000"/>
-                        </a:lnSpc>
-                        <a:spcBef>
-                          <a:spcPts val="0"/>
-                        </a:spcBef>
-                        <a:spcAft>
-                          <a:spcPts val="0"/>
-                        </a:spcAft>
-                      </a:pPr>
-                      <a:endParaRPr lang="en-US" sz="1800" dirty="0">
-                        <a:effectLst/>
-                        <a:latin typeface="Times New Roman" panose="02020603050405020304" pitchFamily="18" charset="0"/>
-                        <a:ea typeface="맑은 고딕" panose="020B0503020000020004" pitchFamily="50" charset="-127"/>
-                        <a:cs typeface="Times New Roman" panose="02020603050405020304" pitchFamily="18" charset="0"/>
-                      </a:endParaRPr>
-                    </a:p>
-                  </a:txBody>
-                  <a:tcPr marL="68580" marR="68580" marT="0" marB="0" anchor="ctr"/>
-                </a:tc>
-                <a:tc vMerge="1">
-                  <a:txBody>
-                    <a:bodyPr/>
-                    <a:lstStyle/>
-                    <a:p>
-                      <a:pPr marL="0" marR="0" algn="ctr">
-                        <a:lnSpc>
-                          <a:spcPct val="107000"/>
-                        </a:lnSpc>
-                        <a:spcBef>
-                          <a:spcPts val="0"/>
-                        </a:spcBef>
-                        <a:spcAft>
-                          <a:spcPts val="0"/>
-                        </a:spcAft>
-                      </a:pPr>
-                      <a:endParaRPr lang="en-US" sz="1800" dirty="0">
-                        <a:effectLst/>
-                        <a:latin typeface="Times New Roman" panose="02020603050405020304" pitchFamily="18" charset="0"/>
-                        <a:ea typeface="맑은 고딕" panose="020B0503020000020004" pitchFamily="50" charset="-127"/>
-                        <a:cs typeface="Times New Roman" panose="02020603050405020304" pitchFamily="18" charset="0"/>
-                      </a:endParaRPr>
-                    </a:p>
-                  </a:txBody>
-                  <a:tcPr marL="68580" marR="68580" marT="0" marB="0" anchor="ctr"/>
-                </a:tc>
-                <a:tc>
-                  <a:txBody>
-                    <a:bodyPr/>
-                    <a:lstStyle/>
-                    <a:p>
-                      <a:pPr marL="0" marR="0" lvl="0" indent="0" algn="ctr" defTabSz="914400" rtl="0" eaLnBrk="1" fontAlgn="auto" latinLnBrk="0" hangingPunct="1">
-                        <a:lnSpc>
-                          <a:spcPct val="107000"/>
-                        </a:lnSpc>
-                        <a:spcBef>
-                          <a:spcPts val="0"/>
-                        </a:spcBef>
-                        <a:spcAft>
-                          <a:spcPts val="0"/>
-                        </a:spcAft>
-                        <a:buClrTx/>
-                        <a:buSzTx/>
-                        <a:buFontTx/>
-                        <a:buNone/>
-                        <a:tabLst/>
-                        <a:defRPr/>
-                      </a:pPr>
-                      <a:r>
-                        <a:rPr lang="en-US" sz="1800" kern="1200" dirty="0">
-                          <a:solidFill>
-                            <a:schemeClr val="tx1"/>
-                          </a:solidFill>
-                          <a:effectLst/>
-                          <a:latin typeface="Times New Roman" panose="02020603050405020304" pitchFamily="18" charset="0"/>
-                          <a:ea typeface="+mn-ea"/>
-                          <a:cs typeface="Times New Roman" panose="02020603050405020304" pitchFamily="18" charset="0"/>
-                        </a:rPr>
-                        <a:t>Installation</a:t>
-                      </a:r>
-                    </a:p>
-                  </a:txBody>
-                  <a:tcPr marL="68580" marR="68580" marT="0" marB="0" anchor="ctr"/>
                 </a:tc>
                 <a:tc vMerge="1">
                   <a:txBody>
@@ -20089,18 +18374,16 @@
         </p:spPr>
         <p:style>
           <a:lnRef idx="2">
-            <a:schemeClr val="accent6">
-              <a:shade val="50000"/>
-            </a:schemeClr>
+            <a:schemeClr val="dk1"/>
           </a:lnRef>
           <a:fillRef idx="1">
-            <a:schemeClr val="accent6"/>
+            <a:schemeClr val="lt1"/>
           </a:fillRef>
           <a:effectRef idx="0">
-            <a:schemeClr val="accent6"/>
+            <a:schemeClr val="dk1"/>
           </a:effectRef>
           <a:fontRef idx="minor">
-            <a:schemeClr val="lt1"/>
+            <a:schemeClr val="dk1"/>
           </a:fontRef>
         </p:style>
         <p:txBody>
@@ -20181,22 +18464,19 @@
           <a:prstGeom prst="rect">
             <a:avLst/>
           </a:prstGeom>
-          <a:solidFill>
-            <a:srgbClr val="FF0000"/>
-          </a:solidFill>
         </p:spPr>
         <p:style>
-          <a:lnRef idx="3">
-            <a:schemeClr val="lt1"/>
+          <a:lnRef idx="2">
+            <a:schemeClr val="dk1"/>
           </a:lnRef>
           <a:fillRef idx="1">
-            <a:schemeClr val="accent2"/>
+            <a:schemeClr val="lt1"/>
           </a:fillRef>
-          <a:effectRef idx="1">
-            <a:schemeClr val="accent2"/>
+          <a:effectRef idx="0">
+            <a:schemeClr val="dk1"/>
           </a:effectRef>
           <a:fontRef idx="minor">
-            <a:schemeClr val="lt1"/>
+            <a:schemeClr val="dk1"/>
           </a:fontRef>
         </p:style>
         <p:txBody>
@@ -20305,7 +18585,7 @@
         <p:spPr>
           <a:xfrm>
             <a:off x="9790625" y="994906"/>
-            <a:ext cx="2131628" cy="2244436"/>
+            <a:ext cx="2179658" cy="2244436"/>
           </a:xfrm>
           <a:prstGeom prst="rect">
             <a:avLst/>
@@ -20313,25 +18593,23 @@
         </p:spPr>
         <p:style>
           <a:lnRef idx="2">
-            <a:schemeClr val="accent6">
-              <a:shade val="50000"/>
-            </a:schemeClr>
+            <a:schemeClr val="dk1"/>
           </a:lnRef>
           <a:fillRef idx="1">
-            <a:schemeClr val="accent6"/>
+            <a:schemeClr val="lt1"/>
           </a:fillRef>
           <a:effectRef idx="0">
-            <a:schemeClr val="accent6"/>
+            <a:schemeClr val="dk1"/>
           </a:effectRef>
           <a:fontRef idx="minor">
-            <a:schemeClr val="lt1"/>
+            <a:schemeClr val="dk1"/>
           </a:fontRef>
         </p:style>
         <p:txBody>
           <a:bodyPr rtlCol="0" anchor="ctr"/>
           <a:lstStyle/>
           <a:p>
-            <a:pPr algn="ctr"/>
+            <a:pPr algn="ctr" latinLnBrk="1"/>
             <a:r>
               <a:rPr lang="en-US" sz="2000" dirty="0">
                 <a:latin typeface="Times New Roman" panose="02020603050405020304" pitchFamily="18" charset="0"/>
@@ -20362,22 +18640,19 @@
           <a:prstGeom prst="rect">
             <a:avLst/>
           </a:prstGeom>
-          <a:solidFill>
-            <a:srgbClr val="FF0000"/>
-          </a:solidFill>
         </p:spPr>
         <p:style>
-          <a:lnRef idx="3">
-            <a:schemeClr val="lt1"/>
+          <a:lnRef idx="2">
+            <a:schemeClr val="dk1"/>
           </a:lnRef>
           <a:fillRef idx="1">
-            <a:schemeClr val="accent2"/>
+            <a:schemeClr val="lt1"/>
           </a:fillRef>
-          <a:effectRef idx="1">
-            <a:schemeClr val="accent2"/>
+          <a:effectRef idx="0">
+            <a:schemeClr val="dk1"/>
           </a:effectRef>
           <a:fontRef idx="minor">
-            <a:schemeClr val="lt1"/>
+            <a:schemeClr val="dk1"/>
           </a:fontRef>
         </p:style>
         <p:txBody>
@@ -20567,7 +18842,7 @@
           <a:bodyPr rtlCol="0" anchor="ctr"/>
           <a:lstStyle/>
           <a:p>
-            <a:pPr algn="ctr"/>
+            <a:pPr algn="ctr" latinLnBrk="1"/>
             <a:r>
               <a:rPr lang="en-US" sz="2000" dirty="0">
                 <a:latin typeface="Times New Roman" panose="02020603050405020304" pitchFamily="18" charset="0"/>
